--- a/PDN May 2023.pptx
+++ b/PDN May 2023.pptx
@@ -5,21 +5,24 @@
     <p:sldMasterId id="2147483648" r:id="rId4"/>
   </p:sldMasterIdLst>
   <p:notesMasterIdLst>
-    <p:notesMasterId r:id="rId14"/>
+    <p:notesMasterId r:id="rId17"/>
   </p:notesMasterIdLst>
   <p:handoutMasterIdLst>
-    <p:handoutMasterId r:id="rId15"/>
+    <p:handoutMasterId r:id="rId18"/>
   </p:handoutMasterIdLst>
   <p:sldIdLst>
     <p:sldId id="305" r:id="rId5"/>
     <p:sldId id="310" r:id="rId6"/>
-    <p:sldId id="296" r:id="rId7"/>
-    <p:sldId id="306" r:id="rId8"/>
-    <p:sldId id="317" r:id="rId9"/>
-    <p:sldId id="318" r:id="rId10"/>
-    <p:sldId id="322" r:id="rId11"/>
-    <p:sldId id="321" r:id="rId12"/>
-    <p:sldId id="316" r:id="rId13"/>
+    <p:sldId id="323" r:id="rId7"/>
+    <p:sldId id="296" r:id="rId8"/>
+    <p:sldId id="306" r:id="rId9"/>
+    <p:sldId id="317" r:id="rId10"/>
+    <p:sldId id="318" r:id="rId11"/>
+    <p:sldId id="322" r:id="rId12"/>
+    <p:sldId id="324" r:id="rId13"/>
+    <p:sldId id="321" r:id="rId14"/>
+    <p:sldId id="325" r:id="rId15"/>
+    <p:sldId id="316" r:id="rId16"/>
   </p:sldIdLst>
   <p:sldSz cx="12192000" cy="6858000"/>
   <p:notesSz cx="6858000" cy="9144000"/>
@@ -151,139 +154,6 @@
 
 <file path=ppt/changesInfos/changesInfo1.xml><?xml version="1.0" encoding="utf-8"?>
 <pc:chgInfo xmlns:a="http://schemas.openxmlformats.org/drawingml/2006/main" xmlns:r="http://schemas.openxmlformats.org/officeDocument/2006/relationships" xmlns:ac="http://schemas.microsoft.com/office/drawing/2013/main/command" xmlns:pc="http://schemas.microsoft.com/office/powerpoint/2013/main/command">
-  <pc:docChgLst>
-    <pc:chgData name="Louis Berman" userId="a562264b7ba45ef8" providerId="LiveId" clId="{27659EDE-4319-42B0-BDB8-1574B1601A57}"/>
-    <pc:docChg chg="undo custSel modSld modMainMaster">
-      <pc:chgData name="Louis Berman" userId="a562264b7ba45ef8" providerId="LiveId" clId="{27659EDE-4319-42B0-BDB8-1574B1601A57}" dt="2023-05-13T12:08:57.537" v="191" actId="20577"/>
-      <pc:docMkLst>
-        <pc:docMk/>
-      </pc:docMkLst>
-      <pc:sldChg chg="modSp mod">
-        <pc:chgData name="Louis Berman" userId="a562264b7ba45ef8" providerId="LiveId" clId="{27659EDE-4319-42B0-BDB8-1574B1601A57}" dt="2023-05-13T12:05:27.940" v="143" actId="20577"/>
-        <pc:sldMkLst>
-          <pc:docMk/>
-          <pc:sldMk cId="1859527893" sldId="296"/>
-        </pc:sldMkLst>
-        <pc:spChg chg="mod">
-          <ac:chgData name="Louis Berman" userId="a562264b7ba45ef8" providerId="LiveId" clId="{27659EDE-4319-42B0-BDB8-1574B1601A57}" dt="2023-05-13T12:05:27.940" v="143" actId="20577"/>
-          <ac:spMkLst>
-            <pc:docMk/>
-            <pc:sldMk cId="1859527893" sldId="296"/>
-            <ac:spMk id="3" creationId="{22788C46-D0BC-4307-AE55-7601A139E7CB}"/>
-          </ac:spMkLst>
-        </pc:spChg>
-      </pc:sldChg>
-      <pc:sldChg chg="modSp mod">
-        <pc:chgData name="Louis Berman" userId="a562264b7ba45ef8" providerId="LiveId" clId="{27659EDE-4319-42B0-BDB8-1574B1601A57}" dt="2023-05-13T11:58:15.954" v="28" actId="20577"/>
-        <pc:sldMkLst>
-          <pc:docMk/>
-          <pc:sldMk cId="317718070" sldId="305"/>
-        </pc:sldMkLst>
-        <pc:spChg chg="mod">
-          <ac:chgData name="Louis Berman" userId="a562264b7ba45ef8" providerId="LiveId" clId="{27659EDE-4319-42B0-BDB8-1574B1601A57}" dt="2023-05-13T11:58:15.954" v="28" actId="20577"/>
-          <ac:spMkLst>
-            <pc:docMk/>
-            <pc:sldMk cId="317718070" sldId="305"/>
-            <ac:spMk id="2" creationId="{DD24180B-35BA-C28E-820F-59C84FBDD99A}"/>
-          </ac:spMkLst>
-        </pc:spChg>
-        <pc:spChg chg="mod">
-          <ac:chgData name="Louis Berman" userId="a562264b7ba45ef8" providerId="LiveId" clId="{27659EDE-4319-42B0-BDB8-1574B1601A57}" dt="2023-05-13T11:58:07.354" v="11" actId="20577"/>
-          <ac:spMkLst>
-            <pc:docMk/>
-            <pc:sldMk cId="317718070" sldId="305"/>
-            <ac:spMk id="3" creationId="{626260E8-21BF-1371-4767-5E86248A7A7B}"/>
-          </ac:spMkLst>
-        </pc:spChg>
-      </pc:sldChg>
-      <pc:sldChg chg="modSp mod">
-        <pc:chgData name="Louis Berman" userId="a562264b7ba45ef8" providerId="LiveId" clId="{27659EDE-4319-42B0-BDB8-1574B1601A57}" dt="2023-05-13T12:01:16.120" v="48" actId="404"/>
-        <pc:sldMkLst>
-          <pc:docMk/>
-          <pc:sldMk cId="1732999477" sldId="306"/>
-        </pc:sldMkLst>
-        <pc:spChg chg="mod">
-          <ac:chgData name="Louis Berman" userId="a562264b7ba45ef8" providerId="LiveId" clId="{27659EDE-4319-42B0-BDB8-1574B1601A57}" dt="2023-05-13T12:01:16.120" v="48" actId="404"/>
-          <ac:spMkLst>
-            <pc:docMk/>
-            <pc:sldMk cId="1732999477" sldId="306"/>
-            <ac:spMk id="3" creationId="{1A585715-2793-160B-269E-D9516C84D73A}"/>
-          </ac:spMkLst>
-        </pc:spChg>
-      </pc:sldChg>
-      <pc:sldChg chg="modSp mod">
-        <pc:chgData name="Louis Berman" userId="a562264b7ba45ef8" providerId="LiveId" clId="{27659EDE-4319-42B0-BDB8-1574B1601A57}" dt="2023-05-13T12:06:22.083" v="174" actId="20577"/>
-        <pc:sldMkLst>
-          <pc:docMk/>
-          <pc:sldMk cId="2790251853" sldId="316"/>
-        </pc:sldMkLst>
-        <pc:spChg chg="mod">
-          <ac:chgData name="Louis Berman" userId="a562264b7ba45ef8" providerId="LiveId" clId="{27659EDE-4319-42B0-BDB8-1574B1601A57}" dt="2023-05-13T12:06:22.083" v="174" actId="20577"/>
-          <ac:spMkLst>
-            <pc:docMk/>
-            <pc:sldMk cId="2790251853" sldId="316"/>
-            <ac:spMk id="5" creationId="{AAF5CF3F-E5EF-5769-3F83-24ADB4412BBF}"/>
-          </ac:spMkLst>
-        </pc:spChg>
-      </pc:sldChg>
-      <pc:sldMasterChg chg="modSldLayout">
-        <pc:chgData name="Louis Berman" userId="a562264b7ba45ef8" providerId="LiveId" clId="{27659EDE-4319-42B0-BDB8-1574B1601A57}" dt="2023-05-13T12:08:57.537" v="191" actId="20577"/>
-        <pc:sldMasterMkLst>
-          <pc:docMk/>
-          <pc:sldMasterMk cId="1788353970" sldId="2147483648"/>
-        </pc:sldMasterMkLst>
-        <pc:sldLayoutChg chg="modSp mod">
-          <pc:chgData name="Louis Berman" userId="a562264b7ba45ef8" providerId="LiveId" clId="{27659EDE-4319-42B0-BDB8-1574B1601A57}" dt="2023-05-13T12:08:57.537" v="191" actId="20577"/>
-          <pc:sldLayoutMkLst>
-            <pc:docMk/>
-            <pc:sldMasterMk cId="1788353970" sldId="2147483648"/>
-            <pc:sldLayoutMk cId="953980513" sldId="2147483668"/>
-          </pc:sldLayoutMkLst>
-          <pc:spChg chg="mod">
-            <ac:chgData name="Louis Berman" userId="a562264b7ba45ef8" providerId="LiveId" clId="{27659EDE-4319-42B0-BDB8-1574B1601A57}" dt="2023-05-13T12:08:57.537" v="191" actId="20577"/>
-            <ac:spMkLst>
-              <pc:docMk/>
-              <pc:sldMasterMk cId="1788353970" sldId="2147483648"/>
-              <pc:sldLayoutMk cId="953980513" sldId="2147483668"/>
-              <ac:spMk id="8" creationId="{3A51CCCC-1589-401D-AE98-FC28716301EF}"/>
-            </ac:spMkLst>
-          </pc:spChg>
-        </pc:sldLayoutChg>
-      </pc:sldMasterChg>
-    </pc:docChg>
-  </pc:docChgLst>
-  <pc:docChgLst>
-    <pc:chgData name="Louis Berman" userId="a562264b7ba45ef8" providerId="LiveId" clId="{54B41100-9A88-4D19-86C2-D393F773221B}"/>
-    <pc:docChg chg="modSld">
-      <pc:chgData name="Louis Berman" userId="a562264b7ba45ef8" providerId="LiveId" clId="{54B41100-9A88-4D19-86C2-D393F773221B}" dt="2023-03-08T01:56:05.574" v="27" actId="20577"/>
-      <pc:docMkLst>
-        <pc:docMk/>
-      </pc:docMkLst>
-      <pc:sldChg chg="modSp mod">
-        <pc:chgData name="Louis Berman" userId="a562264b7ba45ef8" providerId="LiveId" clId="{54B41100-9A88-4D19-86C2-D393F773221B}" dt="2023-03-08T01:56:05.574" v="27" actId="20577"/>
-        <pc:sldMkLst>
-          <pc:docMk/>
-          <pc:sldMk cId="317718070" sldId="305"/>
-        </pc:sldMkLst>
-        <pc:spChg chg="mod">
-          <ac:chgData name="Louis Berman" userId="a562264b7ba45ef8" providerId="LiveId" clId="{54B41100-9A88-4D19-86C2-D393F773221B}" dt="2023-03-08T01:55:58.175" v="13" actId="20577"/>
-          <ac:spMkLst>
-            <pc:docMk/>
-            <pc:sldMk cId="317718070" sldId="305"/>
-            <ac:spMk id="2" creationId="{DD24180B-35BA-C28E-820F-59C84FBDD99A}"/>
-          </ac:spMkLst>
-        </pc:spChg>
-        <pc:spChg chg="mod">
-          <ac:chgData name="Louis Berman" userId="a562264b7ba45ef8" providerId="LiveId" clId="{54B41100-9A88-4D19-86C2-D393F773221B}" dt="2023-03-08T01:56:05.574" v="27" actId="20577"/>
-          <ac:spMkLst>
-            <pc:docMk/>
-            <pc:sldMk cId="317718070" sldId="305"/>
-            <ac:spMk id="3" creationId="{626260E8-21BF-1371-4767-5E86248A7A7B}"/>
-          </ac:spMkLst>
-        </pc:spChg>
-      </pc:sldChg>
-    </pc:docChg>
-  </pc:docChgLst>
   <pc:docChgLst>
     <pc:chgData name="Louis Berman" userId="a562264b7ba45ef8" providerId="LiveId" clId="{47BA5D07-0137-4DBD-BF27-8F56D5CE6DBB}"/>
     <pc:docChg chg="undo redo custSel addSld delSld modSld sldOrd modMainMaster">
@@ -1253,6 +1123,139 @@
       </pc:sldMasterChg>
     </pc:docChg>
   </pc:docChgLst>
+  <pc:docChgLst>
+    <pc:chgData name="Louis Berman" userId="a562264b7ba45ef8" providerId="LiveId" clId="{27659EDE-4319-42B0-BDB8-1574B1601A57}"/>
+    <pc:docChg chg="undo custSel modSld modMainMaster">
+      <pc:chgData name="Louis Berman" userId="a562264b7ba45ef8" providerId="LiveId" clId="{27659EDE-4319-42B0-BDB8-1574B1601A57}" dt="2023-05-13T12:08:57.537" v="191" actId="20577"/>
+      <pc:docMkLst>
+        <pc:docMk/>
+      </pc:docMkLst>
+      <pc:sldChg chg="modSp mod">
+        <pc:chgData name="Louis Berman" userId="a562264b7ba45ef8" providerId="LiveId" clId="{27659EDE-4319-42B0-BDB8-1574B1601A57}" dt="2023-05-13T12:05:27.940" v="143" actId="20577"/>
+        <pc:sldMkLst>
+          <pc:docMk/>
+          <pc:sldMk cId="1859527893" sldId="296"/>
+        </pc:sldMkLst>
+        <pc:spChg chg="mod">
+          <ac:chgData name="Louis Berman" userId="a562264b7ba45ef8" providerId="LiveId" clId="{27659EDE-4319-42B0-BDB8-1574B1601A57}" dt="2023-05-13T12:05:27.940" v="143" actId="20577"/>
+          <ac:spMkLst>
+            <pc:docMk/>
+            <pc:sldMk cId="1859527893" sldId="296"/>
+            <ac:spMk id="3" creationId="{22788C46-D0BC-4307-AE55-7601A139E7CB}"/>
+          </ac:spMkLst>
+        </pc:spChg>
+      </pc:sldChg>
+      <pc:sldChg chg="modSp mod">
+        <pc:chgData name="Louis Berman" userId="a562264b7ba45ef8" providerId="LiveId" clId="{27659EDE-4319-42B0-BDB8-1574B1601A57}" dt="2023-05-13T11:58:15.954" v="28" actId="20577"/>
+        <pc:sldMkLst>
+          <pc:docMk/>
+          <pc:sldMk cId="317718070" sldId="305"/>
+        </pc:sldMkLst>
+        <pc:spChg chg="mod">
+          <ac:chgData name="Louis Berman" userId="a562264b7ba45ef8" providerId="LiveId" clId="{27659EDE-4319-42B0-BDB8-1574B1601A57}" dt="2023-05-13T11:58:15.954" v="28" actId="20577"/>
+          <ac:spMkLst>
+            <pc:docMk/>
+            <pc:sldMk cId="317718070" sldId="305"/>
+            <ac:spMk id="2" creationId="{DD24180B-35BA-C28E-820F-59C84FBDD99A}"/>
+          </ac:spMkLst>
+        </pc:spChg>
+        <pc:spChg chg="mod">
+          <ac:chgData name="Louis Berman" userId="a562264b7ba45ef8" providerId="LiveId" clId="{27659EDE-4319-42B0-BDB8-1574B1601A57}" dt="2023-05-13T11:58:07.354" v="11" actId="20577"/>
+          <ac:spMkLst>
+            <pc:docMk/>
+            <pc:sldMk cId="317718070" sldId="305"/>
+            <ac:spMk id="3" creationId="{626260E8-21BF-1371-4767-5E86248A7A7B}"/>
+          </ac:spMkLst>
+        </pc:spChg>
+      </pc:sldChg>
+      <pc:sldChg chg="modSp mod">
+        <pc:chgData name="Louis Berman" userId="a562264b7ba45ef8" providerId="LiveId" clId="{27659EDE-4319-42B0-BDB8-1574B1601A57}" dt="2023-05-13T12:01:16.120" v="48" actId="404"/>
+        <pc:sldMkLst>
+          <pc:docMk/>
+          <pc:sldMk cId="1732999477" sldId="306"/>
+        </pc:sldMkLst>
+        <pc:spChg chg="mod">
+          <ac:chgData name="Louis Berman" userId="a562264b7ba45ef8" providerId="LiveId" clId="{27659EDE-4319-42B0-BDB8-1574B1601A57}" dt="2023-05-13T12:01:16.120" v="48" actId="404"/>
+          <ac:spMkLst>
+            <pc:docMk/>
+            <pc:sldMk cId="1732999477" sldId="306"/>
+            <ac:spMk id="3" creationId="{1A585715-2793-160B-269E-D9516C84D73A}"/>
+          </ac:spMkLst>
+        </pc:spChg>
+      </pc:sldChg>
+      <pc:sldChg chg="modSp mod">
+        <pc:chgData name="Louis Berman" userId="a562264b7ba45ef8" providerId="LiveId" clId="{27659EDE-4319-42B0-BDB8-1574B1601A57}" dt="2023-05-13T12:06:22.083" v="174" actId="20577"/>
+        <pc:sldMkLst>
+          <pc:docMk/>
+          <pc:sldMk cId="2790251853" sldId="316"/>
+        </pc:sldMkLst>
+        <pc:spChg chg="mod">
+          <ac:chgData name="Louis Berman" userId="a562264b7ba45ef8" providerId="LiveId" clId="{27659EDE-4319-42B0-BDB8-1574B1601A57}" dt="2023-05-13T12:06:22.083" v="174" actId="20577"/>
+          <ac:spMkLst>
+            <pc:docMk/>
+            <pc:sldMk cId="2790251853" sldId="316"/>
+            <ac:spMk id="5" creationId="{AAF5CF3F-E5EF-5769-3F83-24ADB4412BBF}"/>
+          </ac:spMkLst>
+        </pc:spChg>
+      </pc:sldChg>
+      <pc:sldMasterChg chg="modSldLayout">
+        <pc:chgData name="Louis Berman" userId="a562264b7ba45ef8" providerId="LiveId" clId="{27659EDE-4319-42B0-BDB8-1574B1601A57}" dt="2023-05-13T12:08:57.537" v="191" actId="20577"/>
+        <pc:sldMasterMkLst>
+          <pc:docMk/>
+          <pc:sldMasterMk cId="1788353970" sldId="2147483648"/>
+        </pc:sldMasterMkLst>
+        <pc:sldLayoutChg chg="modSp mod">
+          <pc:chgData name="Louis Berman" userId="a562264b7ba45ef8" providerId="LiveId" clId="{27659EDE-4319-42B0-BDB8-1574B1601A57}" dt="2023-05-13T12:08:57.537" v="191" actId="20577"/>
+          <pc:sldLayoutMkLst>
+            <pc:docMk/>
+            <pc:sldMasterMk cId="1788353970" sldId="2147483648"/>
+            <pc:sldLayoutMk cId="953980513" sldId="2147483668"/>
+          </pc:sldLayoutMkLst>
+          <pc:spChg chg="mod">
+            <ac:chgData name="Louis Berman" userId="a562264b7ba45ef8" providerId="LiveId" clId="{27659EDE-4319-42B0-BDB8-1574B1601A57}" dt="2023-05-13T12:08:57.537" v="191" actId="20577"/>
+            <ac:spMkLst>
+              <pc:docMk/>
+              <pc:sldMasterMk cId="1788353970" sldId="2147483648"/>
+              <pc:sldLayoutMk cId="953980513" sldId="2147483668"/>
+              <ac:spMk id="8" creationId="{3A51CCCC-1589-401D-AE98-FC28716301EF}"/>
+            </ac:spMkLst>
+          </pc:spChg>
+        </pc:sldLayoutChg>
+      </pc:sldMasterChg>
+    </pc:docChg>
+  </pc:docChgLst>
+  <pc:docChgLst>
+    <pc:chgData name="Louis Berman" userId="a562264b7ba45ef8" providerId="LiveId" clId="{54B41100-9A88-4D19-86C2-D393F773221B}"/>
+    <pc:docChg chg="modSld">
+      <pc:chgData name="Louis Berman" userId="a562264b7ba45ef8" providerId="LiveId" clId="{54B41100-9A88-4D19-86C2-D393F773221B}" dt="2023-03-08T01:56:05.574" v="27" actId="20577"/>
+      <pc:docMkLst>
+        <pc:docMk/>
+      </pc:docMkLst>
+      <pc:sldChg chg="modSp mod">
+        <pc:chgData name="Louis Berman" userId="a562264b7ba45ef8" providerId="LiveId" clId="{54B41100-9A88-4D19-86C2-D393F773221B}" dt="2023-03-08T01:56:05.574" v="27" actId="20577"/>
+        <pc:sldMkLst>
+          <pc:docMk/>
+          <pc:sldMk cId="317718070" sldId="305"/>
+        </pc:sldMkLst>
+        <pc:spChg chg="mod">
+          <ac:chgData name="Louis Berman" userId="a562264b7ba45ef8" providerId="LiveId" clId="{54B41100-9A88-4D19-86C2-D393F773221B}" dt="2023-03-08T01:55:58.175" v="13" actId="20577"/>
+          <ac:spMkLst>
+            <pc:docMk/>
+            <pc:sldMk cId="317718070" sldId="305"/>
+            <ac:spMk id="2" creationId="{DD24180B-35BA-C28E-820F-59C84FBDD99A}"/>
+          </ac:spMkLst>
+        </pc:spChg>
+        <pc:spChg chg="mod">
+          <ac:chgData name="Louis Berman" userId="a562264b7ba45ef8" providerId="LiveId" clId="{54B41100-9A88-4D19-86C2-D393F773221B}" dt="2023-03-08T01:56:05.574" v="27" actId="20577"/>
+          <ac:spMkLst>
+            <pc:docMk/>
+            <pc:sldMk cId="317718070" sldId="305"/>
+            <ac:spMk id="3" creationId="{626260E8-21BF-1371-4767-5E86248A7A7B}"/>
+          </ac:spMkLst>
+        </pc:spChg>
+      </pc:sldChg>
+    </pc:docChg>
+  </pc:docChgLst>
 </pc:chgInfo>
 </file>
 
@@ -1859,7 +1862,7 @@
           <a:p>
             <a:fld id="{0775476F-A808-1F46-A368-07984F6DA22E}" type="slidenum">
               <a:rPr lang="en-US" smtClean="0"/>
-              <a:t>3</a:t>
+              <a:t>4</a:t>
             </a:fld>
             <a:endParaRPr lang="en-US" dirty="0"/>
           </a:p>
@@ -11443,6 +11446,446 @@
 </p:sld>
 </file>
 
+<file path=ppt/slides/slide10.xml><?xml version="1.0" encoding="utf-8"?>
+<p:sld xmlns:a="http://schemas.openxmlformats.org/drawingml/2006/main" xmlns:r="http://schemas.openxmlformats.org/officeDocument/2006/relationships" xmlns:p="http://schemas.openxmlformats.org/presentationml/2006/main">
+  <p:cSld>
+    <p:spTree>
+      <p:nvGrpSpPr>
+        <p:cNvPr id="1" name=""/>
+        <p:cNvGrpSpPr/>
+        <p:nvPr/>
+      </p:nvGrpSpPr>
+      <p:grpSpPr>
+        <a:xfrm>
+          <a:off x="0" y="0"/>
+          <a:ext cx="0" cy="0"/>
+          <a:chOff x="0" y="0"/>
+          <a:chExt cx="0" cy="0"/>
+        </a:xfrm>
+      </p:grpSpPr>
+      <p:sp>
+        <p:nvSpPr>
+          <p:cNvPr id="2" name="Title 1">
+            <a:extLst>
+              <a:ext uri="{FF2B5EF4-FFF2-40B4-BE49-F238E27FC236}">
+                <a16:creationId xmlns:a16="http://schemas.microsoft.com/office/drawing/2014/main" id="{198B7400-16EC-7420-98C9-85AE7886563C}"/>
+              </a:ext>
+            </a:extLst>
+          </p:cNvPr>
+          <p:cNvSpPr>
+            <a:spLocks noGrp="1"/>
+          </p:cNvSpPr>
+          <p:nvPr>
+            <p:ph type="title"/>
+          </p:nvPr>
+        </p:nvSpPr>
+        <p:spPr/>
+        <p:txBody>
+          <a:bodyPr/>
+          <a:lstStyle/>
+          <a:p>
+            <a:r>
+              <a:rPr lang="en-US" dirty="0"/>
+              <a:t>Resources</a:t>
+            </a:r>
+          </a:p>
+        </p:txBody>
+      </p:sp>
+      <p:sp>
+        <p:nvSpPr>
+          <p:cNvPr id="3" name="Footer Placeholder 2">
+            <a:extLst>
+              <a:ext uri="{FF2B5EF4-FFF2-40B4-BE49-F238E27FC236}">
+                <a16:creationId xmlns:a16="http://schemas.microsoft.com/office/drawing/2014/main" id="{079D9A43-F514-B554-AA9E-56BD7F13E82C}"/>
+              </a:ext>
+            </a:extLst>
+          </p:cNvPr>
+          <p:cNvSpPr>
+            <a:spLocks noGrp="1"/>
+          </p:cNvSpPr>
+          <p:nvPr>
+            <p:ph type="ftr" sz="quarter" idx="10"/>
+          </p:nvPr>
+        </p:nvSpPr>
+        <p:spPr/>
+        <p:txBody>
+          <a:bodyPr/>
+          <a:lstStyle/>
+          <a:p>
+            <a:r>
+              <a:rPr lang="en-US" dirty="0"/>
+              <a:t>Presentation title</a:t>
+            </a:r>
+          </a:p>
+        </p:txBody>
+      </p:sp>
+      <p:sp>
+        <p:nvSpPr>
+          <p:cNvPr id="4" name="Slide Number Placeholder 3">
+            <a:extLst>
+              <a:ext uri="{FF2B5EF4-FFF2-40B4-BE49-F238E27FC236}">
+                <a16:creationId xmlns:a16="http://schemas.microsoft.com/office/drawing/2014/main" id="{4E7D3A1D-51D2-9DA8-0ECB-6B829F1B0E7B}"/>
+              </a:ext>
+            </a:extLst>
+          </p:cNvPr>
+          <p:cNvSpPr>
+            <a:spLocks noGrp="1"/>
+          </p:cNvSpPr>
+          <p:nvPr>
+            <p:ph type="sldNum" sz="quarter" idx="11"/>
+          </p:nvPr>
+        </p:nvSpPr>
+        <p:spPr/>
+        <p:txBody>
+          <a:bodyPr/>
+          <a:lstStyle/>
+          <a:p>
+            <a:fld id="{294A09A9-5501-47C1-A89A-A340965A2BE2}" type="slidenum">
+              <a:rPr lang="en-US" smtClean="0"/>
+              <a:pPr/>
+              <a:t>10</a:t>
+            </a:fld>
+            <a:endParaRPr lang="en-US" dirty="0"/>
+          </a:p>
+        </p:txBody>
+      </p:sp>
+      <p:sp>
+        <p:nvSpPr>
+          <p:cNvPr id="5" name="Content Placeholder 4">
+            <a:extLst>
+              <a:ext uri="{FF2B5EF4-FFF2-40B4-BE49-F238E27FC236}">
+                <a16:creationId xmlns:a16="http://schemas.microsoft.com/office/drawing/2014/main" id="{4027FCF1-D7FF-296F-5C10-F38C7F2517C5}"/>
+              </a:ext>
+            </a:extLst>
+          </p:cNvPr>
+          <p:cNvSpPr>
+            <a:spLocks noGrp="1"/>
+          </p:cNvSpPr>
+          <p:nvPr>
+            <p:ph sz="quarter" idx="12"/>
+          </p:nvPr>
+        </p:nvSpPr>
+        <p:spPr/>
+        <p:txBody>
+          <a:bodyPr>
+            <a:normAutofit fontScale="92500" lnSpcReduction="10000"/>
+          </a:bodyPr>
+          <a:lstStyle/>
+          <a:p>
+            <a:r>
+              <a:rPr lang="en-US" dirty="0" err="1">
+                <a:hlinkClick r:id="rId2"/>
+              </a:rPr>
+              <a:t>AppDomain.UnhandledException</a:t>
+            </a:r>
+            <a:r>
+              <a:rPr lang="en-US" dirty="0">
+                <a:hlinkClick r:id="rId2"/>
+              </a:rPr>
+              <a:t> Event</a:t>
+            </a:r>
+            <a:endParaRPr lang="en-US" dirty="0"/>
+          </a:p>
+          <a:p>
+            <a:r>
+              <a:rPr lang="en-US" dirty="0">
+                <a:hlinkClick r:id="rId3"/>
+              </a:rPr>
+              <a:t>Exception Handling (w/Examples)</a:t>
+            </a:r>
+            <a:endParaRPr lang="en-US" dirty="0"/>
+          </a:p>
+          <a:p>
+            <a:r>
+              <a:rPr lang="en-US" dirty="0">
+                <a:hlinkClick r:id="rId4"/>
+              </a:rPr>
+              <a:t>Exception Handling Best Practices</a:t>
+            </a:r>
+            <a:r>
+              <a:rPr lang="en-US" dirty="0"/>
+              <a:t> </a:t>
+            </a:r>
+          </a:p>
+          <a:p>
+            <a:r>
+              <a:rPr lang="en-US" dirty="0" err="1">
+                <a:hlinkClick r:id="rId5"/>
+              </a:rPr>
+              <a:t>FluentValidation</a:t>
+            </a:r>
+            <a:r>
+              <a:rPr lang="en-US" dirty="0"/>
+              <a:t> </a:t>
+            </a:r>
+          </a:p>
+          <a:p>
+            <a:r>
+              <a:rPr lang="en-US" dirty="0" err="1">
+                <a:hlinkClick r:id="rId6"/>
+              </a:rPr>
+              <a:t>CallerArgumentExpression</a:t>
+            </a:r>
+            <a:endParaRPr lang="en-US" dirty="0"/>
+          </a:p>
+          <a:p>
+            <a:r>
+              <a:rPr lang="en-US" dirty="0">
+                <a:hlinkClick r:id="rId7"/>
+              </a:rPr>
+              <a:t>Exception Handling Tutorial (Simple)</a:t>
+            </a:r>
+            <a:endParaRPr lang="en-US" dirty="0"/>
+          </a:p>
+          <a:p>
+            <a:r>
+              <a:rPr lang="en-US" dirty="0" err="1">
+                <a:hlinkClick r:id="rId8"/>
+              </a:rPr>
+              <a:t>OneOf</a:t>
+            </a:r>
+            <a:r>
+              <a:rPr lang="en-US" dirty="0">
+                <a:hlinkClick r:id="rId8"/>
+              </a:rPr>
+              <a:t> (Discriminated Unions)</a:t>
+            </a:r>
+            <a:endParaRPr lang="en-US" dirty="0"/>
+          </a:p>
+          <a:p>
+            <a:endParaRPr lang="en-US" dirty="0"/>
+          </a:p>
+          <a:p>
+            <a:endParaRPr lang="en-US" dirty="0"/>
+          </a:p>
+        </p:txBody>
+      </p:sp>
+    </p:spTree>
+    <p:extLst>
+      <p:ext uri="{BB962C8B-B14F-4D97-AF65-F5344CB8AC3E}">
+        <p14:creationId xmlns:p14="http://schemas.microsoft.com/office/powerpoint/2010/main" val="3008337639"/>
+      </p:ext>
+    </p:extLst>
+  </p:cSld>
+  <p:clrMapOvr>
+    <a:masterClrMapping/>
+  </p:clrMapOvr>
+</p:sld>
+</file>
+
+<file path=ppt/slides/slide11.xml><?xml version="1.0" encoding="utf-8"?>
+<p:sld xmlns:a="http://schemas.openxmlformats.org/drawingml/2006/main" xmlns:r="http://schemas.openxmlformats.org/officeDocument/2006/relationships" xmlns:p="http://schemas.openxmlformats.org/presentationml/2006/main">
+  <p:cSld>
+    <p:spTree>
+      <p:nvGrpSpPr>
+        <p:cNvPr id="1" name=""/>
+        <p:cNvGrpSpPr/>
+        <p:nvPr/>
+      </p:nvGrpSpPr>
+      <p:grpSpPr>
+        <a:xfrm>
+          <a:off x="0" y="0"/>
+          <a:ext cx="0" cy="0"/>
+          <a:chOff x="0" y="0"/>
+          <a:chExt cx="0" cy="0"/>
+        </a:xfrm>
+      </p:grpSpPr>
+      <p:sp>
+        <p:nvSpPr>
+          <p:cNvPr id="8" name="Title 7">
+            <a:extLst>
+              <a:ext uri="{FF2B5EF4-FFF2-40B4-BE49-F238E27FC236}">
+                <a16:creationId xmlns:a16="http://schemas.microsoft.com/office/drawing/2014/main" id="{6EF71EDF-932A-10A8-F190-8110B1D18531}"/>
+              </a:ext>
+            </a:extLst>
+          </p:cNvPr>
+          <p:cNvSpPr>
+            <a:spLocks noGrp="1"/>
+          </p:cNvSpPr>
+          <p:nvPr>
+            <p:ph type="title"/>
+          </p:nvPr>
+        </p:nvSpPr>
+        <p:spPr/>
+        <p:txBody>
+          <a:bodyPr/>
+          <a:lstStyle/>
+          <a:p>
+            <a:r>
+              <a:rPr lang="en-US" dirty="0"/>
+              <a:t>Q &amp; A</a:t>
+            </a:r>
+          </a:p>
+        </p:txBody>
+      </p:sp>
+      <p:sp>
+        <p:nvSpPr>
+          <p:cNvPr id="9" name="Text Placeholder 8">
+            <a:extLst>
+              <a:ext uri="{FF2B5EF4-FFF2-40B4-BE49-F238E27FC236}">
+                <a16:creationId xmlns:a16="http://schemas.microsoft.com/office/drawing/2014/main" id="{5614D20E-E99C-0775-1C0E-596ABECBCC9F}"/>
+              </a:ext>
+            </a:extLst>
+          </p:cNvPr>
+          <p:cNvSpPr>
+            <a:spLocks noGrp="1"/>
+          </p:cNvSpPr>
+          <p:nvPr>
+            <p:ph type="body" idx="1"/>
+          </p:nvPr>
+        </p:nvSpPr>
+        <p:spPr/>
+        <p:txBody>
+          <a:bodyPr/>
+          <a:lstStyle/>
+          <a:p>
+            <a:r>
+              <a:rPr lang="en-US" dirty="0"/>
+              <a:t>Stump The Chump</a:t>
+            </a:r>
+          </a:p>
+        </p:txBody>
+      </p:sp>
+      <p:sp>
+        <p:nvSpPr>
+          <p:cNvPr id="3" name="Footer Placeholder 2">
+            <a:extLst>
+              <a:ext uri="{FF2B5EF4-FFF2-40B4-BE49-F238E27FC236}">
+                <a16:creationId xmlns:a16="http://schemas.microsoft.com/office/drawing/2014/main" id="{48533BDB-0C46-B2A6-5405-DAEA5ECE7C92}"/>
+              </a:ext>
+            </a:extLst>
+          </p:cNvPr>
+          <p:cNvSpPr>
+            <a:spLocks noGrp="1"/>
+          </p:cNvSpPr>
+          <p:nvPr>
+            <p:ph type="ftr" sz="quarter" idx="4294967295"/>
+          </p:nvPr>
+        </p:nvSpPr>
+        <p:spPr>
+          <a:xfrm>
+            <a:off x="0" y="6356350"/>
+            <a:ext cx="4114800" cy="365125"/>
+          </a:xfrm>
+        </p:spPr>
+        <p:txBody>
+          <a:bodyPr/>
+          <a:lstStyle/>
+          <a:p>
+            <a:r>
+              <a:rPr lang="en-US"/>
+              <a:t>Presentation title</a:t>
+            </a:r>
+            <a:endParaRPr lang="en-US" dirty="0"/>
+          </a:p>
+        </p:txBody>
+      </p:sp>
+      <p:sp>
+        <p:nvSpPr>
+          <p:cNvPr id="4" name="Slide Number Placeholder 3">
+            <a:extLst>
+              <a:ext uri="{FF2B5EF4-FFF2-40B4-BE49-F238E27FC236}">
+                <a16:creationId xmlns:a16="http://schemas.microsoft.com/office/drawing/2014/main" id="{9BBD1B37-DDA4-A99A-F4D5-E7EDB7B11955}"/>
+              </a:ext>
+            </a:extLst>
+          </p:cNvPr>
+          <p:cNvSpPr>
+            <a:spLocks noGrp="1"/>
+          </p:cNvSpPr>
+          <p:nvPr>
+            <p:ph type="sldNum" sz="quarter" idx="4294967295"/>
+          </p:nvPr>
+        </p:nvSpPr>
+        <p:spPr>
+          <a:xfrm>
+            <a:off x="9448800" y="6356350"/>
+            <a:ext cx="2743200" cy="365125"/>
+          </a:xfrm>
+        </p:spPr>
+        <p:txBody>
+          <a:bodyPr/>
+          <a:lstStyle/>
+          <a:p>
+            <a:fld id="{294A09A9-5501-47C1-A89A-A340965A2BE2}" type="slidenum">
+              <a:rPr lang="en-US" smtClean="0"/>
+              <a:pPr/>
+              <a:t>11</a:t>
+            </a:fld>
+            <a:endParaRPr lang="en-US" dirty="0"/>
+          </a:p>
+        </p:txBody>
+      </p:sp>
+    </p:spTree>
+    <p:extLst>
+      <p:ext uri="{BB962C8B-B14F-4D97-AF65-F5344CB8AC3E}">
+        <p14:creationId xmlns:p14="http://schemas.microsoft.com/office/powerpoint/2010/main" val="619793781"/>
+      </p:ext>
+    </p:extLst>
+  </p:cSld>
+  <p:clrMapOvr>
+    <a:masterClrMapping/>
+  </p:clrMapOvr>
+</p:sld>
+</file>
+
+<file path=ppt/slides/slide12.xml><?xml version="1.0" encoding="utf-8"?>
+<p:sld xmlns:a="http://schemas.openxmlformats.org/drawingml/2006/main" xmlns:r="http://schemas.openxmlformats.org/officeDocument/2006/relationships" xmlns:p="http://schemas.openxmlformats.org/presentationml/2006/main">
+  <p:cSld>
+    <p:spTree>
+      <p:nvGrpSpPr>
+        <p:cNvPr id="1" name=""/>
+        <p:cNvGrpSpPr/>
+        <p:nvPr/>
+      </p:nvGrpSpPr>
+      <p:grpSpPr>
+        <a:xfrm>
+          <a:off x="0" y="0"/>
+          <a:ext cx="0" cy="0"/>
+          <a:chOff x="0" y="0"/>
+          <a:chExt cx="0" cy="0"/>
+        </a:xfrm>
+      </p:grpSpPr>
+      <p:sp>
+        <p:nvSpPr>
+          <p:cNvPr id="2" name="Title 1">
+            <a:extLst>
+              <a:ext uri="{FF2B5EF4-FFF2-40B4-BE49-F238E27FC236}">
+                <a16:creationId xmlns:a16="http://schemas.microsoft.com/office/drawing/2014/main" id="{5A5EB5DC-8C2B-5750-6E12-9A35C0FFBA00}"/>
+              </a:ext>
+            </a:extLst>
+          </p:cNvPr>
+          <p:cNvSpPr>
+            <a:spLocks noGrp="1"/>
+          </p:cNvSpPr>
+          <p:nvPr>
+            <p:ph type="title"/>
+          </p:nvPr>
+        </p:nvSpPr>
+        <p:spPr/>
+        <p:txBody>
+          <a:bodyPr/>
+          <a:lstStyle/>
+          <a:p>
+            <a:r>
+              <a:rPr lang="en-US" dirty="0"/>
+              <a:t>Thank you</a:t>
+            </a:r>
+          </a:p>
+        </p:txBody>
+      </p:sp>
+    </p:spTree>
+    <p:extLst>
+      <p:ext uri="{BB962C8B-B14F-4D97-AF65-F5344CB8AC3E}">
+        <p14:creationId xmlns:p14="http://schemas.microsoft.com/office/powerpoint/2010/main" val="2790251853"/>
+      </p:ext>
+    </p:extLst>
+  </p:cSld>
+  <p:clrMapOvr>
+    <a:masterClrMapping/>
+  </p:clrMapOvr>
+</p:sld>
+</file>
+
 <file path=ppt/slides/slide2.xml><?xml version="1.0" encoding="utf-8"?>
 <p:sld xmlns:a="http://schemas.openxmlformats.org/drawingml/2006/main" xmlns:r="http://schemas.openxmlformats.org/officeDocument/2006/relationships" xmlns:p="http://schemas.openxmlformats.org/presentationml/2006/main">
   <p:cSld>
@@ -11548,7 +11991,7 @@
         </p:blipFill>
         <p:spPr>
           <a:xfrm>
-            <a:off x="2156119" y="1626172"/>
+            <a:off x="2156119" y="1459924"/>
             <a:ext cx="2322368" cy="2322368"/>
           </a:xfrm>
           <a:prstGeom prst="ellipse">
@@ -11570,7 +12013,7 @@
         </p:nvSpPr>
         <p:spPr>
           <a:xfrm>
-            <a:off x="1948301" y="4009269"/>
+            <a:off x="1948301" y="3843021"/>
             <a:ext cx="2909455" cy="954107"/>
           </a:xfrm>
           <a:prstGeom prst="rect">
@@ -11639,7 +12082,7 @@
         </p:nvSpPr>
         <p:spPr>
           <a:xfrm>
-            <a:off x="5169477" y="1647486"/>
+            <a:off x="5169477" y="1481238"/>
             <a:ext cx="5127914" cy="3433668"/>
           </a:xfrm>
           <a:prstGeom prst="rect">
@@ -11863,6 +12306,191 @@
 <file path=ppt/slides/slide3.xml><?xml version="1.0" encoding="utf-8"?>
 <p:sld xmlns:a="http://schemas.openxmlformats.org/drawingml/2006/main" xmlns:r="http://schemas.openxmlformats.org/officeDocument/2006/relationships" xmlns:p="http://schemas.openxmlformats.org/presentationml/2006/main">
   <p:cSld>
+    <p:spTree>
+      <p:nvGrpSpPr>
+        <p:cNvPr id="1" name=""/>
+        <p:cNvGrpSpPr/>
+        <p:nvPr/>
+      </p:nvGrpSpPr>
+      <p:grpSpPr>
+        <a:xfrm>
+          <a:off x="0" y="0"/>
+          <a:ext cx="0" cy="0"/>
+          <a:chOff x="0" y="0"/>
+          <a:chExt cx="0" cy="0"/>
+        </a:xfrm>
+      </p:grpSpPr>
+      <p:sp>
+        <p:nvSpPr>
+          <p:cNvPr id="4" name="Footer Placeholder 3">
+            <a:extLst>
+              <a:ext uri="{FF2B5EF4-FFF2-40B4-BE49-F238E27FC236}">
+                <a16:creationId xmlns:a16="http://schemas.microsoft.com/office/drawing/2014/main" id="{71C0656A-03D4-604F-7394-55A2D140D583}"/>
+              </a:ext>
+            </a:extLst>
+          </p:cNvPr>
+          <p:cNvSpPr>
+            <a:spLocks noGrp="1"/>
+          </p:cNvSpPr>
+          <p:nvPr>
+            <p:ph type="ftr" sz="quarter" idx="11"/>
+          </p:nvPr>
+        </p:nvSpPr>
+        <p:spPr/>
+        <p:txBody>
+          <a:bodyPr/>
+          <a:lstStyle/>
+          <a:p>
+            <a:r>
+              <a:rPr lang="en-US"/>
+              <a:t>Presentation title</a:t>
+            </a:r>
+            <a:endParaRPr lang="en-US" dirty="0"/>
+          </a:p>
+        </p:txBody>
+      </p:sp>
+      <p:sp>
+        <p:nvSpPr>
+          <p:cNvPr id="5" name="Slide Number Placeholder 4">
+            <a:extLst>
+              <a:ext uri="{FF2B5EF4-FFF2-40B4-BE49-F238E27FC236}">
+                <a16:creationId xmlns:a16="http://schemas.microsoft.com/office/drawing/2014/main" id="{C5A84B1C-EC69-5973-72A1-9A5E1B9B37F8}"/>
+              </a:ext>
+            </a:extLst>
+          </p:cNvPr>
+          <p:cNvSpPr>
+            <a:spLocks noGrp="1"/>
+          </p:cNvSpPr>
+          <p:nvPr>
+            <p:ph type="sldNum" sz="quarter" idx="12"/>
+          </p:nvPr>
+        </p:nvSpPr>
+        <p:spPr/>
+        <p:txBody>
+          <a:bodyPr/>
+          <a:lstStyle/>
+          <a:p>
+            <a:fld id="{294A09A9-5501-47C1-A89A-A340965A2BE2}" type="slidenum">
+              <a:rPr lang="en-US" smtClean="0"/>
+              <a:pPr/>
+              <a:t>3</a:t>
+            </a:fld>
+            <a:endParaRPr lang="en-US" dirty="0"/>
+          </a:p>
+        </p:txBody>
+      </p:sp>
+      <p:sp>
+        <p:nvSpPr>
+          <p:cNvPr id="11" name="Text Placeholder 10">
+            <a:extLst>
+              <a:ext uri="{FF2B5EF4-FFF2-40B4-BE49-F238E27FC236}">
+                <a16:creationId xmlns:a16="http://schemas.microsoft.com/office/drawing/2014/main" id="{A170221D-66CC-45FA-E48A-FAC1E3CD7A75}"/>
+              </a:ext>
+            </a:extLst>
+          </p:cNvPr>
+          <p:cNvSpPr>
+            <a:spLocks noGrp="1"/>
+          </p:cNvSpPr>
+          <p:nvPr>
+            <p:ph type="body" sz="quarter" idx="13"/>
+          </p:nvPr>
+        </p:nvSpPr>
+        <p:spPr/>
+        <p:txBody>
+          <a:bodyPr/>
+          <a:lstStyle/>
+          <a:p>
+            <a:r>
+              <a:rPr lang="en-US" dirty="0"/>
+              <a:t>G</a:t>
+            </a:r>
+          </a:p>
+        </p:txBody>
+      </p:sp>
+      <p:pic>
+        <p:nvPicPr>
+          <p:cNvPr id="12" name="Picture 11" descr="A qr code with black squares&#10;&#10;Description automatically generated with low confidence">
+            <a:extLst>
+              <a:ext uri="{FF2B5EF4-FFF2-40B4-BE49-F238E27FC236}">
+                <a16:creationId xmlns:a16="http://schemas.microsoft.com/office/drawing/2014/main" id="{95E83E01-7639-AB6D-AFE8-4533F64C0B2E}"/>
+              </a:ext>
+            </a:extLst>
+          </p:cNvPr>
+          <p:cNvPicPr>
+            <a:picLocks noChangeAspect="1"/>
+          </p:cNvPicPr>
+          <p:nvPr/>
+        </p:nvPicPr>
+        <p:blipFill>
+          <a:blip r:embed="rId2"/>
+          <a:stretch>
+            <a:fillRect/>
+          </a:stretch>
+        </p:blipFill>
+        <p:spPr>
+          <a:xfrm>
+            <a:off x="6455390" y="1242135"/>
+            <a:ext cx="4242816" cy="4242816"/>
+          </a:xfrm>
+          <a:prstGeom prst="rect">
+            <a:avLst/>
+          </a:prstGeom>
+        </p:spPr>
+      </p:pic>
+      <p:sp>
+        <p:nvSpPr>
+          <p:cNvPr id="13" name="TextBox 12">
+            <a:extLst>
+              <a:ext uri="{FF2B5EF4-FFF2-40B4-BE49-F238E27FC236}">
+                <a16:creationId xmlns:a16="http://schemas.microsoft.com/office/drawing/2014/main" id="{62D4AFD4-BEE8-4121-EB83-EE6C61E67FA9}"/>
+              </a:ext>
+            </a:extLst>
+          </p:cNvPr>
+          <p:cNvSpPr txBox="1"/>
+          <p:nvPr/>
+        </p:nvSpPr>
+        <p:spPr>
+          <a:xfrm>
+            <a:off x="6455390" y="5484951"/>
+            <a:ext cx="4399153" cy="369332"/>
+          </a:xfrm>
+          <a:prstGeom prst="rect">
+            <a:avLst/>
+          </a:prstGeom>
+          <a:noFill/>
+        </p:spPr>
+        <p:txBody>
+          <a:bodyPr wrap="none" rtlCol="0">
+            <a:spAutoFit/>
+          </a:bodyPr>
+          <a:lstStyle/>
+          <a:p>
+            <a:r>
+              <a:rPr lang="en-US" dirty="0">
+                <a:hlinkClick r:id="rId3"/>
+              </a:rPr>
+              <a:t>https://github.com/squideyes/PdnErrorHandling</a:t>
+            </a:r>
+            <a:endParaRPr lang="en-US" dirty="0"/>
+          </a:p>
+        </p:txBody>
+      </p:sp>
+    </p:spTree>
+    <p:extLst>
+      <p:ext uri="{BB962C8B-B14F-4D97-AF65-F5344CB8AC3E}">
+        <p14:creationId xmlns:p14="http://schemas.microsoft.com/office/powerpoint/2010/main" val="242256332"/>
+      </p:ext>
+    </p:extLst>
+  </p:cSld>
+  <p:clrMapOvr>
+    <a:masterClrMapping/>
+  </p:clrMapOvr>
+</p:sld>
+</file>
+
+<file path=ppt/slides/slide4.xml><?xml version="1.0" encoding="utf-8"?>
+<p:sld xmlns:a="http://schemas.openxmlformats.org/drawingml/2006/main" xmlns:r="http://schemas.openxmlformats.org/officeDocument/2006/relationships" xmlns:p="http://schemas.openxmlformats.org/presentationml/2006/main">
+  <p:cSld>
     <p:bg>
       <p:bgPr>
         <a:solidFill>
@@ -11901,7 +12529,12 @@
             <p:ph type="title"/>
           </p:nvPr>
         </p:nvSpPr>
-        <p:spPr/>
+        <p:spPr>
+          <a:xfrm>
+            <a:off x="8183880" y="957628"/>
+            <a:ext cx="3749040" cy="1325880"/>
+          </a:xfrm>
+        </p:spPr>
         <p:txBody>
           <a:bodyPr>
             <a:normAutofit/>
@@ -12043,7 +12676,12 @@
             <p:ph sz="quarter" idx="4"/>
           </p:nvPr>
         </p:nvSpPr>
-        <p:spPr/>
+        <p:spPr>
+          <a:xfrm>
+            <a:off x="8183880" y="2173780"/>
+            <a:ext cx="3749040" cy="3432117"/>
+          </a:xfrm>
+        </p:spPr>
         <p:txBody>
           <a:bodyPr vert="horz" lIns="91440" tIns="45720" rIns="91440" bIns="45720" rtlCol="0" anchor="t">
             <a:normAutofit/>
@@ -12054,6 +12692,9 @@
               <a:lnSpc>
                 <a:spcPct val="150000"/>
               </a:lnSpc>
+              <a:spcBef>
+                <a:spcPts val="0"/>
+              </a:spcBef>
               <a:buNone/>
             </a:pPr>
             <a:r>
@@ -12072,6 +12713,9 @@
               <a:lnSpc>
                 <a:spcPct val="150000"/>
               </a:lnSpc>
+              <a:spcBef>
+                <a:spcPts val="0"/>
+              </a:spcBef>
               <a:buNone/>
             </a:pPr>
             <a:r>
@@ -12086,6 +12730,11 @@
             </a:r>
           </a:p>
           <a:p>
+            <a:pPr>
+              <a:spcBef>
+                <a:spcPts val="0"/>
+              </a:spcBef>
+            </a:pPr>
             <a:r>
               <a:rPr lang="en-US" dirty="0" err="1">
                 <a:latin typeface="Gill Sans Nova Light" panose="020B0302020104020203" pitchFamily="34" charset="0"/>
@@ -12103,6 +12752,9 @@
               <a:lnSpc>
                 <a:spcPct val="150000"/>
               </a:lnSpc>
+              <a:spcBef>
+                <a:spcPts val="0"/>
+              </a:spcBef>
               <a:buNone/>
             </a:pPr>
             <a:r>
@@ -12128,6 +12780,9 @@
               <a:lnSpc>
                 <a:spcPct val="150000"/>
               </a:lnSpc>
+              <a:spcBef>
+                <a:spcPts val="0"/>
+              </a:spcBef>
               <a:buNone/>
             </a:pPr>
             <a:r>
@@ -12146,6 +12801,9 @@
               <a:lnSpc>
                 <a:spcPct val="150000"/>
               </a:lnSpc>
+              <a:spcBef>
+                <a:spcPts val="0"/>
+              </a:spcBef>
               <a:buNone/>
             </a:pPr>
             <a:r>
@@ -12226,7 +12884,7 @@
           <a:p>
             <a:fld id="{294A09A9-5501-47C1-A89A-A340965A2BE2}" type="slidenum">
               <a:rPr lang="en-US" smtClean="0"/>
-              <a:t>3</a:t>
+              <a:t>4</a:t>
             </a:fld>
             <a:endParaRPr lang="en-US" dirty="0"/>
           </a:p>
@@ -12236,157 +12894,6 @@
     <p:extLst>
       <p:ext uri="{BB962C8B-B14F-4D97-AF65-F5344CB8AC3E}">
         <p14:creationId xmlns:p14="http://schemas.microsoft.com/office/powerpoint/2010/main" val="1859527893"/>
-      </p:ext>
-    </p:extLst>
-  </p:cSld>
-  <p:clrMapOvr>
-    <a:masterClrMapping/>
-  </p:clrMapOvr>
-</p:sld>
-</file>
-
-<file path=ppt/slides/slide4.xml><?xml version="1.0" encoding="utf-8"?>
-<p:sld xmlns:a="http://schemas.openxmlformats.org/drawingml/2006/main" xmlns:r="http://schemas.openxmlformats.org/officeDocument/2006/relationships" xmlns:p="http://schemas.openxmlformats.org/presentationml/2006/main">
-  <p:cSld>
-    <p:spTree>
-      <p:nvGrpSpPr>
-        <p:cNvPr id="1" name=""/>
-        <p:cNvGrpSpPr/>
-        <p:nvPr/>
-      </p:nvGrpSpPr>
-      <p:grpSpPr>
-        <a:xfrm>
-          <a:off x="0" y="0"/>
-          <a:ext cx="0" cy="0"/>
-          <a:chOff x="0" y="0"/>
-          <a:chExt cx="0" cy="0"/>
-        </a:xfrm>
-      </p:grpSpPr>
-      <p:sp>
-        <p:nvSpPr>
-          <p:cNvPr id="2" name="Title 1">
-            <a:extLst>
-              <a:ext uri="{FF2B5EF4-FFF2-40B4-BE49-F238E27FC236}">
-                <a16:creationId xmlns:a16="http://schemas.microsoft.com/office/drawing/2014/main" id="{56002655-34DF-25F9-4640-B2CE5329AD1A}"/>
-              </a:ext>
-            </a:extLst>
-          </p:cNvPr>
-          <p:cNvSpPr>
-            <a:spLocks noGrp="1"/>
-          </p:cNvSpPr>
-          <p:nvPr>
-            <p:ph type="title"/>
-          </p:nvPr>
-        </p:nvSpPr>
-        <p:spPr/>
-        <p:txBody>
-          <a:bodyPr/>
-          <a:lstStyle/>
-          <a:p>
-            <a:r>
-              <a:rPr lang="en-US" dirty="0"/>
-              <a:t>Introduction</a:t>
-            </a:r>
-          </a:p>
-        </p:txBody>
-      </p:sp>
-      <p:sp>
-        <p:nvSpPr>
-          <p:cNvPr id="3" name="Content Placeholder 2">
-            <a:extLst>
-              <a:ext uri="{FF2B5EF4-FFF2-40B4-BE49-F238E27FC236}">
-                <a16:creationId xmlns:a16="http://schemas.microsoft.com/office/drawing/2014/main" id="{1A585715-2793-160B-269E-D9516C84D73A}"/>
-              </a:ext>
-            </a:extLst>
-          </p:cNvPr>
-          <p:cNvSpPr>
-            <a:spLocks noGrp="1"/>
-          </p:cNvSpPr>
-          <p:nvPr>
-            <p:ph idx="1"/>
-          </p:nvPr>
-        </p:nvSpPr>
-        <p:spPr/>
-        <p:txBody>
-          <a:bodyPr/>
-          <a:lstStyle/>
-          <a:p>
-            <a:r>
-              <a:rPr lang="en-US" sz="4000" dirty="0"/>
-              <a:t>An error does not become a mistake, until you refuse to correct it. </a:t>
-            </a:r>
-          </a:p>
-          <a:p>
-            <a:r>
-              <a:rPr lang="en-US" dirty="0"/>
-              <a:t>— Orlando A. Battista — </a:t>
-            </a:r>
-          </a:p>
-        </p:txBody>
-      </p:sp>
-      <p:sp>
-        <p:nvSpPr>
-          <p:cNvPr id="4" name="Footer Placeholder 3">
-            <a:extLst>
-              <a:ext uri="{FF2B5EF4-FFF2-40B4-BE49-F238E27FC236}">
-                <a16:creationId xmlns:a16="http://schemas.microsoft.com/office/drawing/2014/main" id="{A3609A75-5E9A-C165-5A1D-764F9E96B722}"/>
-              </a:ext>
-            </a:extLst>
-          </p:cNvPr>
-          <p:cNvSpPr>
-            <a:spLocks noGrp="1"/>
-          </p:cNvSpPr>
-          <p:nvPr>
-            <p:ph type="ftr" sz="quarter" idx="10"/>
-          </p:nvPr>
-        </p:nvSpPr>
-        <p:spPr/>
-        <p:txBody>
-          <a:bodyPr/>
-          <a:lstStyle/>
-          <a:p>
-            <a:r>
-              <a:rPr lang="en-US"/>
-              <a:t>Presentation title</a:t>
-            </a:r>
-            <a:endParaRPr lang="en-US" dirty="0"/>
-          </a:p>
-        </p:txBody>
-      </p:sp>
-      <p:sp>
-        <p:nvSpPr>
-          <p:cNvPr id="5" name="Slide Number Placeholder 4">
-            <a:extLst>
-              <a:ext uri="{FF2B5EF4-FFF2-40B4-BE49-F238E27FC236}">
-                <a16:creationId xmlns:a16="http://schemas.microsoft.com/office/drawing/2014/main" id="{0108060B-6C9E-CFFF-55DE-F0D645C094DC}"/>
-              </a:ext>
-            </a:extLst>
-          </p:cNvPr>
-          <p:cNvSpPr>
-            <a:spLocks noGrp="1"/>
-          </p:cNvSpPr>
-          <p:nvPr>
-            <p:ph type="sldNum" sz="quarter" idx="11"/>
-          </p:nvPr>
-        </p:nvSpPr>
-        <p:spPr/>
-        <p:txBody>
-          <a:bodyPr/>
-          <a:lstStyle/>
-          <a:p>
-            <a:fld id="{294A09A9-5501-47C1-A89A-A340965A2BE2}" type="slidenum">
-              <a:rPr lang="en-US" smtClean="0"/>
-              <a:pPr/>
-              <a:t>4</a:t>
-            </a:fld>
-            <a:endParaRPr lang="en-US" dirty="0"/>
-          </a:p>
-        </p:txBody>
-      </p:sp>
-    </p:spTree>
-    <p:extLst>
-      <p:ext uri="{BB962C8B-B14F-4D97-AF65-F5344CB8AC3E}">
-        <p14:creationId xmlns:p14="http://schemas.microsoft.com/office/powerpoint/2010/main" val="1732999477"/>
       </p:ext>
     </p:extLst>
   </p:cSld>
@@ -12415,10 +12922,10 @@
       </p:grpSpPr>
       <p:sp>
         <p:nvSpPr>
-          <p:cNvPr id="4" name="Title 3">
-            <a:extLst>
-              <a:ext uri="{FF2B5EF4-FFF2-40B4-BE49-F238E27FC236}">
-                <a16:creationId xmlns:a16="http://schemas.microsoft.com/office/drawing/2014/main" id="{7B86A21D-C5EF-E6FE-F9E1-18079E2CBA41}"/>
+          <p:cNvPr id="2" name="Title 1">
+            <a:extLst>
+              <a:ext uri="{FF2B5EF4-FFF2-40B4-BE49-F238E27FC236}">
+                <a16:creationId xmlns:a16="http://schemas.microsoft.com/office/drawing/2014/main" id="{56002655-34DF-25F9-4640-B2CE5329AD1A}"/>
               </a:ext>
             </a:extLst>
           </p:cNvPr>
@@ -12436,174 +12943,100 @@
           <a:p>
             <a:r>
               <a:rPr lang="en-US" dirty="0"/>
-              <a:t>Exceptions</a:t>
-            </a:r>
-          </a:p>
-        </p:txBody>
-      </p:sp>
-      <p:sp>
-        <p:nvSpPr>
-          <p:cNvPr id="5" name="Content Placeholder 4">
-            <a:extLst>
-              <a:ext uri="{FF2B5EF4-FFF2-40B4-BE49-F238E27FC236}">
-                <a16:creationId xmlns:a16="http://schemas.microsoft.com/office/drawing/2014/main" id="{972C7B56-00FC-6ED0-D322-B1ABB6C05638}"/>
-              </a:ext>
-            </a:extLst>
-          </p:cNvPr>
-          <p:cNvSpPr>
-            <a:spLocks noGrp="1"/>
-          </p:cNvSpPr>
-          <p:nvPr>
-            <p:ph sz="quarter" idx="12"/>
+              <a:t>Introduction</a:t>
+            </a:r>
+          </a:p>
+        </p:txBody>
+      </p:sp>
+      <p:sp>
+        <p:nvSpPr>
+          <p:cNvPr id="3" name="Content Placeholder 2">
+            <a:extLst>
+              <a:ext uri="{FF2B5EF4-FFF2-40B4-BE49-F238E27FC236}">
+                <a16:creationId xmlns:a16="http://schemas.microsoft.com/office/drawing/2014/main" id="{1A585715-2793-160B-269E-D9516C84D73A}"/>
+              </a:ext>
+            </a:extLst>
+          </p:cNvPr>
+          <p:cNvSpPr>
+            <a:spLocks noGrp="1"/>
+          </p:cNvSpPr>
+          <p:nvPr>
+            <p:ph idx="1"/>
           </p:nvPr>
         </p:nvSpPr>
         <p:spPr/>
         <p:txBody>
-          <a:bodyPr>
-            <a:normAutofit/>
-          </a:bodyPr>
+          <a:bodyPr/>
           <a:lstStyle/>
           <a:p>
-            <a:pPr eaLnBrk="1" hangingPunct="1">
-              <a:lnSpc>
-                <a:spcPct val="80000"/>
-              </a:lnSpc>
-              <a:defRPr/>
-            </a:pPr>
-            <a:r>
-              <a:rPr lang="en-US" sz="2800" dirty="0"/>
-              <a:t>Standard and custom exceptions inherit from </a:t>
-            </a:r>
-            <a:r>
-              <a:rPr lang="en-US" sz="2800" b="1" dirty="0" err="1"/>
-              <a:t>System.Exception</a:t>
-            </a:r>
-            <a:endParaRPr lang="en-US" sz="2800" b="1" dirty="0"/>
-          </a:p>
-          <a:p>
-            <a:pPr eaLnBrk="1" hangingPunct="1">
-              <a:lnSpc>
-                <a:spcPct val="80000"/>
-              </a:lnSpc>
-              <a:defRPr/>
-            </a:pPr>
-            <a:r>
-              <a:rPr lang="en-US" sz="2800" dirty="0"/>
-              <a:t>The (not quite modern) way to handle errors in C#</a:t>
-            </a:r>
-          </a:p>
-          <a:p>
-            <a:pPr lvl="1">
-              <a:lnSpc>
-                <a:spcPct val="80000"/>
-              </a:lnSpc>
-              <a:defRPr/>
-            </a:pPr>
-            <a:r>
-              <a:rPr lang="en-US" sz="2400" dirty="0"/>
-              <a:t>Slow, memory intensive, the call-stack can be less-than-helpful</a:t>
-            </a:r>
-          </a:p>
-          <a:p>
-            <a:pPr lvl="1">
-              <a:lnSpc>
-                <a:spcPct val="80000"/>
-              </a:lnSpc>
-              <a:defRPr/>
-            </a:pPr>
+            <a:r>
+              <a:rPr lang="en-US" sz="4000" dirty="0"/>
+              <a:t>An error does not become a mistake, until you refuse to correct it. </a:t>
+            </a:r>
+          </a:p>
+          <a:p>
             <a:r>
               <a:rPr lang="en-US" dirty="0"/>
-              <a:t>Try to use Discriminated Unions (i.e. </a:t>
-            </a:r>
-            <a:r>
-              <a:rPr lang="en-US" b="1" dirty="0" err="1"/>
-              <a:t>OneOf</a:t>
-            </a:r>
-            <a:r>
-              <a:rPr lang="en-US" dirty="0"/>
-              <a:t>) in lieu of Exceptions</a:t>
-            </a:r>
-            <a:endParaRPr lang="en-US" sz="2800" dirty="0"/>
-          </a:p>
-          <a:p>
-            <a:pPr eaLnBrk="1" hangingPunct="1">
-              <a:lnSpc>
-                <a:spcPct val="80000"/>
-              </a:lnSpc>
-              <a:defRPr/>
-            </a:pPr>
-            <a:r>
-              <a:rPr lang="en-US" sz="2800" dirty="0"/>
-              <a:t>An exception is thrown when </a:t>
-            </a:r>
-            <a:r>
-              <a:rPr lang="en-US" sz="2400" dirty="0"/>
-              <a:t>code reaches a </a:t>
-            </a:r>
-            <a:r>
-              <a:rPr lang="en-US" sz="2400" b="1" dirty="0"/>
-              <a:t>throw </a:t>
-            </a:r>
-            <a:r>
-              <a:rPr lang="en-US" sz="2400" dirty="0"/>
-              <a:t>statement</a:t>
-            </a:r>
-          </a:p>
-          <a:p>
-            <a:pPr lvl="1">
-              <a:lnSpc>
-                <a:spcPct val="80000"/>
-              </a:lnSpc>
-              <a:defRPr/>
-            </a:pPr>
-            <a:r>
-              <a:rPr lang="en-US" dirty="0"/>
-              <a:t>Typically thrown by “your” code but can be thrown by the runtime, too</a:t>
-            </a:r>
-          </a:p>
-          <a:p>
-            <a:pPr lvl="2">
-              <a:lnSpc>
-                <a:spcPct val="80000"/>
-              </a:lnSpc>
-              <a:defRPr/>
-            </a:pPr>
-            <a:r>
-              <a:rPr lang="en-US" dirty="0" err="1"/>
-              <a:t>DivideByZeroException</a:t>
-            </a:r>
-            <a:r>
-              <a:rPr lang="en-US" dirty="0"/>
-              <a:t>, </a:t>
-            </a:r>
-            <a:r>
-              <a:rPr lang="en-US" dirty="0" err="1"/>
-              <a:t>SomeSortOfLibraryException</a:t>
-            </a:r>
-            <a:r>
-              <a:rPr lang="en-US" dirty="0"/>
-              <a:t>, etc.</a:t>
-            </a:r>
-          </a:p>
-          <a:p>
-            <a:pPr>
-              <a:lnSpc>
-                <a:spcPct val="80000"/>
-              </a:lnSpc>
-              <a:defRPr/>
-            </a:pPr>
-            <a:r>
-              <a:rPr lang="en-US" dirty="0"/>
-              <a:t>Should only be used for handling errors that are . . . Exceptional</a:t>
-            </a:r>
-          </a:p>
-          <a:p>
-            <a:pPr eaLnBrk="1" hangingPunct="1">
-              <a:lnSpc>
-                <a:spcPct val="80000"/>
-              </a:lnSpc>
-              <a:defRPr/>
-            </a:pPr>
+              <a:t>— Orlando A. Battista — </a:t>
+            </a:r>
+          </a:p>
+        </p:txBody>
+      </p:sp>
+      <p:sp>
+        <p:nvSpPr>
+          <p:cNvPr id="4" name="Footer Placeholder 3">
+            <a:extLst>
+              <a:ext uri="{FF2B5EF4-FFF2-40B4-BE49-F238E27FC236}">
+                <a16:creationId xmlns:a16="http://schemas.microsoft.com/office/drawing/2014/main" id="{A3609A75-5E9A-C165-5A1D-764F9E96B722}"/>
+              </a:ext>
+            </a:extLst>
+          </p:cNvPr>
+          <p:cNvSpPr>
+            <a:spLocks noGrp="1"/>
+          </p:cNvSpPr>
+          <p:nvPr>
+            <p:ph type="ftr" sz="quarter" idx="10"/>
+          </p:nvPr>
+        </p:nvSpPr>
+        <p:spPr/>
+        <p:txBody>
+          <a:bodyPr/>
+          <a:lstStyle/>
+          <a:p>
+            <a:r>
+              <a:rPr lang="en-US"/>
+              <a:t>Presentation title</a:t>
+            </a:r>
+            <a:endParaRPr lang="en-US" dirty="0"/>
+          </a:p>
+        </p:txBody>
+      </p:sp>
+      <p:sp>
+        <p:nvSpPr>
+          <p:cNvPr id="5" name="Slide Number Placeholder 4">
+            <a:extLst>
+              <a:ext uri="{FF2B5EF4-FFF2-40B4-BE49-F238E27FC236}">
+                <a16:creationId xmlns:a16="http://schemas.microsoft.com/office/drawing/2014/main" id="{0108060B-6C9E-CFFF-55DE-F0D645C094DC}"/>
+              </a:ext>
+            </a:extLst>
+          </p:cNvPr>
+          <p:cNvSpPr>
+            <a:spLocks noGrp="1"/>
+          </p:cNvSpPr>
+          <p:nvPr>
+            <p:ph type="sldNum" sz="quarter" idx="11"/>
+          </p:nvPr>
+        </p:nvSpPr>
+        <p:spPr/>
+        <p:txBody>
+          <a:bodyPr/>
+          <a:lstStyle/>
+          <a:p>
+            <a:fld id="{294A09A9-5501-47C1-A89A-A340965A2BE2}" type="slidenum">
+              <a:rPr lang="en-US" smtClean="0"/>
+              <a:pPr/>
+              <a:t>5</a:t>
+            </a:fld>
             <a:endParaRPr lang="en-US" dirty="0"/>
           </a:p>
         </p:txBody>
@@ -12611,7 +13044,7 @@
     </p:spTree>
     <p:extLst>
       <p:ext uri="{BB962C8B-B14F-4D97-AF65-F5344CB8AC3E}">
-        <p14:creationId xmlns:p14="http://schemas.microsoft.com/office/powerpoint/2010/main" val="4009419840"/>
+        <p14:creationId xmlns:p14="http://schemas.microsoft.com/office/powerpoint/2010/main" val="1732999477"/>
       </p:ext>
     </p:extLst>
   </p:cSld>
@@ -12640,10 +13073,10 @@
       </p:grpSpPr>
       <p:sp>
         <p:nvSpPr>
-          <p:cNvPr id="2" name="Title 1">
-            <a:extLst>
-              <a:ext uri="{FF2B5EF4-FFF2-40B4-BE49-F238E27FC236}">
-                <a16:creationId xmlns:a16="http://schemas.microsoft.com/office/drawing/2014/main" id="{E7ED22DC-8A28-F5AA-6D16-2184D9C718C4}"/>
+          <p:cNvPr id="4" name="Title 3">
+            <a:extLst>
+              <a:ext uri="{FF2B5EF4-FFF2-40B4-BE49-F238E27FC236}">
+                <a16:creationId xmlns:a16="http://schemas.microsoft.com/office/drawing/2014/main" id="{7B86A21D-C5EF-E6FE-F9E1-18079E2CBA41}"/>
               </a:ext>
             </a:extLst>
           </p:cNvPr>
@@ -12661,165 +13094,174 @@
           <a:p>
             <a:r>
               <a:rPr lang="en-US" dirty="0"/>
-              <a:t>Helpers</a:t>
-            </a:r>
-          </a:p>
-        </p:txBody>
-      </p:sp>
-      <p:sp>
-        <p:nvSpPr>
-          <p:cNvPr id="3" name="Footer Placeholder 2">
-            <a:extLst>
-              <a:ext uri="{FF2B5EF4-FFF2-40B4-BE49-F238E27FC236}">
-                <a16:creationId xmlns:a16="http://schemas.microsoft.com/office/drawing/2014/main" id="{FC9A1B00-D1F2-83A7-D406-175FCEAB453A}"/>
-              </a:ext>
-            </a:extLst>
-          </p:cNvPr>
-          <p:cNvSpPr>
-            <a:spLocks noGrp="1"/>
-          </p:cNvSpPr>
-          <p:nvPr>
-            <p:ph type="ftr" sz="quarter" idx="10"/>
+              <a:t>Exceptions</a:t>
+            </a:r>
+          </a:p>
+        </p:txBody>
+      </p:sp>
+      <p:sp>
+        <p:nvSpPr>
+          <p:cNvPr id="5" name="Content Placeholder 4">
+            <a:extLst>
+              <a:ext uri="{FF2B5EF4-FFF2-40B4-BE49-F238E27FC236}">
+                <a16:creationId xmlns:a16="http://schemas.microsoft.com/office/drawing/2014/main" id="{972C7B56-00FC-6ED0-D322-B1ABB6C05638}"/>
+              </a:ext>
+            </a:extLst>
+          </p:cNvPr>
+          <p:cNvSpPr>
+            <a:spLocks noGrp="1"/>
+          </p:cNvSpPr>
+          <p:nvPr>
+            <p:ph sz="quarter" idx="12"/>
           </p:nvPr>
         </p:nvSpPr>
         <p:spPr/>
         <p:txBody>
-          <a:bodyPr/>
-          <a:lstStyle/>
-          <a:p>
-            <a:r>
-              <a:rPr lang="en-US"/>
-              <a:t>Presentation title</a:t>
-            </a:r>
-            <a:endParaRPr lang="en-US" dirty="0"/>
-          </a:p>
-        </p:txBody>
-      </p:sp>
-      <p:sp>
-        <p:nvSpPr>
-          <p:cNvPr id="4" name="Slide Number Placeholder 3">
-            <a:extLst>
-              <a:ext uri="{FF2B5EF4-FFF2-40B4-BE49-F238E27FC236}">
-                <a16:creationId xmlns:a16="http://schemas.microsoft.com/office/drawing/2014/main" id="{DBB8482B-9EC3-2543-C001-05D2A8CC3DCF}"/>
-              </a:ext>
-            </a:extLst>
-          </p:cNvPr>
-          <p:cNvSpPr>
-            <a:spLocks noGrp="1"/>
-          </p:cNvSpPr>
-          <p:nvPr>
-            <p:ph type="sldNum" sz="quarter" idx="11"/>
-          </p:nvPr>
-        </p:nvSpPr>
-        <p:spPr/>
-        <p:txBody>
-          <a:bodyPr/>
-          <a:lstStyle/>
-          <a:p>
-            <a:fld id="{294A09A9-5501-47C1-A89A-A340965A2BE2}" type="slidenum">
-              <a:rPr lang="en-US" smtClean="0"/>
-              <a:pPr/>
-              <a:t>6</a:t>
-            </a:fld>
-            <a:endParaRPr lang="en-US" dirty="0"/>
-          </a:p>
-        </p:txBody>
-      </p:sp>
-      <p:sp>
-        <p:nvSpPr>
-          <p:cNvPr id="5" name="Content Placeholder 4">
-            <a:extLst>
-              <a:ext uri="{FF2B5EF4-FFF2-40B4-BE49-F238E27FC236}">
-                <a16:creationId xmlns:a16="http://schemas.microsoft.com/office/drawing/2014/main" id="{9751DB7C-2F4E-2624-1090-7CAB902705EA}"/>
-              </a:ext>
-            </a:extLst>
-          </p:cNvPr>
-          <p:cNvSpPr>
-            <a:spLocks noGrp="1"/>
-          </p:cNvSpPr>
-          <p:nvPr>
-            <p:ph sz="quarter" idx="12"/>
-          </p:nvPr>
-        </p:nvSpPr>
-        <p:spPr/>
-        <p:txBody>
           <a:bodyPr>
-            <a:normAutofit lnSpcReduction="10000"/>
+            <a:normAutofit/>
           </a:bodyPr>
           <a:lstStyle/>
           <a:p>
-            <a:pPr marL="0" indent="0">
-              <a:buNone/>
+            <a:pPr eaLnBrk="1" hangingPunct="1">
+              <a:lnSpc>
+                <a:spcPct val="80000"/>
+              </a:lnSpc>
+              <a:defRPr/>
             </a:pPr>
             <a:r>
-              <a:rPr lang="en-US" b="1" dirty="0"/>
-              <a:t>ROLL YOUR OWN</a:t>
-            </a:r>
-          </a:p>
-          <a:p>
-            <a:pPr marL="0" indent="0">
-              <a:buNone/>
+              <a:rPr lang="en-US" sz="2800" dirty="0"/>
+              <a:t>Standard and custom exceptions inherit from </a:t>
+            </a:r>
+            <a:r>
+              <a:rPr lang="en-US" sz="2800" b="1" dirty="0" err="1"/>
+              <a:t>System.Exception</a:t>
+            </a:r>
+            <a:endParaRPr lang="en-US" sz="2800" b="1" dirty="0"/>
+          </a:p>
+          <a:p>
+            <a:pPr eaLnBrk="1" hangingPunct="1">
+              <a:lnSpc>
+                <a:spcPct val="80000"/>
+              </a:lnSpc>
+              <a:defRPr/>
             </a:pPr>
             <a:r>
+              <a:rPr lang="en-US" sz="2800" dirty="0"/>
+              <a:t>The (not quite modern) way to handle errors in C#</a:t>
+            </a:r>
+          </a:p>
+          <a:p>
+            <a:pPr lvl="1">
+              <a:lnSpc>
+                <a:spcPct val="80000"/>
+              </a:lnSpc>
+              <a:defRPr/>
+            </a:pPr>
+            <a:r>
+              <a:rPr lang="en-US" sz="2400" dirty="0"/>
+              <a:t>Slow, memory intensive, the call-stack can be less-than-helpful</a:t>
+            </a:r>
+          </a:p>
+          <a:p>
+            <a:pPr lvl="1">
+              <a:lnSpc>
+                <a:spcPct val="80000"/>
+              </a:lnSpc>
+              <a:defRPr/>
+            </a:pPr>
+            <a:r>
+              <a:rPr lang="en-US" dirty="0"/>
+              <a:t>Try to use Discriminated Unions (i.e. </a:t>
+            </a:r>
+            <a:r>
               <a:rPr lang="en-US" b="1" dirty="0" err="1"/>
-              <a:t>Safe.Do</a:t>
+              <a:t>OneOf</a:t>
             </a:r>
             <a:r>
               <a:rPr lang="en-US" dirty="0"/>
-              <a:t> – Tries to invoke an action, “eating” any resulting Exception </a:t>
-            </a:r>
-          </a:p>
-          <a:p>
-            <a:pPr marL="0" indent="0">
-              <a:buNone/>
+              <a:t>) instead</a:t>
+            </a:r>
+            <a:endParaRPr lang="en-US" sz="2800" dirty="0"/>
+          </a:p>
+          <a:p>
+            <a:pPr eaLnBrk="1" hangingPunct="1">
+              <a:lnSpc>
+                <a:spcPct val="80000"/>
+              </a:lnSpc>
+              <a:defRPr/>
             </a:pPr>
             <a:r>
-              <a:rPr lang="en-US" b="1" dirty="0" err="1"/>
-              <a:t>Safe.Convert</a:t>
-            </a:r>
+              <a:rPr lang="en-US" sz="2800" dirty="0"/>
+              <a:t>An exception is thrown when </a:t>
+            </a:r>
+            <a:r>
+              <a:rPr lang="en-US" sz="2400" dirty="0"/>
+              <a:t>code reaches a </a:t>
+            </a:r>
+            <a:r>
+              <a:rPr lang="en-US" sz="2400" b="1" dirty="0"/>
+              <a:t>throw </a:t>
+            </a:r>
+            <a:r>
+              <a:rPr lang="en-US" sz="2400" dirty="0"/>
+              <a:t>statement</a:t>
+            </a:r>
+          </a:p>
+          <a:p>
+            <a:pPr lvl="1">
+              <a:lnSpc>
+                <a:spcPct val="80000"/>
+              </a:lnSpc>
+              <a:defRPr/>
+            </a:pPr>
             <a:r>
               <a:rPr lang="en-US" dirty="0"/>
-              <a:t> – Converts a value, if possible, or returns default</a:t>
-            </a:r>
-          </a:p>
-          <a:p>
-            <a:pPr marL="0" indent="0">
-              <a:buNone/>
+              <a:t>Typically thrown by “your” code but can be thrown by the runtime, too</a:t>
+            </a:r>
+          </a:p>
+          <a:p>
+            <a:pPr lvl="2">
+              <a:lnSpc>
+                <a:spcPct val="80000"/>
+              </a:lnSpc>
+              <a:defRPr/>
             </a:pPr>
             <a:r>
-              <a:rPr lang="en-US" b="1" dirty="0" err="1"/>
-              <a:t>Safe.TryConvert</a:t>
+              <a:rPr lang="en-US" dirty="0" err="1"/>
+              <a:t>DivideByZeroException</a:t>
             </a:r>
             <a:r>
               <a:rPr lang="en-US" dirty="0"/>
-              <a:t> – Safe value conversion in a tradition try/get format</a:t>
-            </a:r>
-          </a:p>
-          <a:p>
-            <a:endParaRPr lang="en-US" dirty="0"/>
-          </a:p>
-          <a:p>
-            <a:pPr marL="0" indent="0">
-              <a:buNone/>
+              <a:t>, </a:t>
+            </a:r>
+            <a:r>
+              <a:rPr lang="en-US" dirty="0" err="1"/>
+              <a:t>SomeSortOfLibraryException</a:t>
+            </a:r>
+            <a:r>
+              <a:rPr lang="en-US" dirty="0"/>
+              <a:t>, etc.</a:t>
+            </a:r>
+          </a:p>
+          <a:p>
+            <a:pPr>
+              <a:lnSpc>
+                <a:spcPct val="80000"/>
+              </a:lnSpc>
+              <a:defRPr/>
             </a:pPr>
             <a:r>
-              <a:rPr lang="en-US" b="1" dirty="0"/>
-              <a:t>SQUIDEYES.FUNDAMENTALS</a:t>
-            </a:r>
-          </a:p>
-          <a:p>
-            <a:pPr marL="0" indent="0">
-              <a:buNone/>
+              <a:rPr lang="en-US" dirty="0"/>
+              <a:t>Should only be used for handling errors that are . . . exceptional</a:t>
+            </a:r>
+          </a:p>
+          <a:p>
+            <a:pPr eaLnBrk="1" hangingPunct="1">
+              <a:lnSpc>
+                <a:spcPct val="80000"/>
+              </a:lnSpc>
+              <a:defRPr/>
             </a:pPr>
-            <a:r>
-              <a:rPr lang="en-US" dirty="0">
-                <a:hlinkClick r:id="rId2"/>
-              </a:rPr>
-              <a:t>https://github.com/squideyes/Fundamentals</a:t>
-            </a:r>
-            <a:endParaRPr lang="en-US" dirty="0"/>
-          </a:p>
-          <a:p>
             <a:endParaRPr lang="en-US" dirty="0"/>
           </a:p>
         </p:txBody>
@@ -12827,7 +13269,7 @@
     </p:spTree>
     <p:extLst>
       <p:ext uri="{BB962C8B-B14F-4D97-AF65-F5344CB8AC3E}">
-        <p14:creationId xmlns:p14="http://schemas.microsoft.com/office/powerpoint/2010/main" val="2230350382"/>
+        <p14:creationId xmlns:p14="http://schemas.microsoft.com/office/powerpoint/2010/main" val="4009419840"/>
       </p:ext>
     </p:extLst>
   </p:cSld>
@@ -12859,7 +13301,7 @@
           <p:cNvPr id="2" name="Title 1">
             <a:extLst>
               <a:ext uri="{FF2B5EF4-FFF2-40B4-BE49-F238E27FC236}">
-                <a16:creationId xmlns:a16="http://schemas.microsoft.com/office/drawing/2014/main" id="{8C4ECAC0-2F45-ACF1-D122-820B32527784}"/>
+                <a16:creationId xmlns:a16="http://schemas.microsoft.com/office/drawing/2014/main" id="{E7ED22DC-8A28-F5AA-6D16-2184D9C718C4}"/>
               </a:ext>
             </a:extLst>
           </p:cNvPr>
@@ -12876,10 +13318,9 @@
           <a:lstStyle/>
           <a:p>
             <a:r>
-              <a:rPr lang="en-US" dirty="0" err="1"/>
-              <a:t>LogSmart</a:t>
-            </a:r>
-            <a:endParaRPr lang="en-US" dirty="0"/>
+              <a:rPr lang="en-US" dirty="0"/>
+              <a:t>Helpers</a:t>
+            </a:r>
           </a:p>
         </p:txBody>
       </p:sp>
@@ -12888,7 +13329,7 @@
           <p:cNvPr id="3" name="Footer Placeholder 2">
             <a:extLst>
               <a:ext uri="{FF2B5EF4-FFF2-40B4-BE49-F238E27FC236}">
-                <a16:creationId xmlns:a16="http://schemas.microsoft.com/office/drawing/2014/main" id="{804E4DFD-46B2-F47C-6DD2-65641A4A14B6}"/>
+                <a16:creationId xmlns:a16="http://schemas.microsoft.com/office/drawing/2014/main" id="{FC9A1B00-D1F2-83A7-D406-175FCEAB453A}"/>
               </a:ext>
             </a:extLst>
           </p:cNvPr>
@@ -12917,7 +13358,7 @@
           <p:cNvPr id="4" name="Slide Number Placeholder 3">
             <a:extLst>
               <a:ext uri="{FF2B5EF4-FFF2-40B4-BE49-F238E27FC236}">
-                <a16:creationId xmlns:a16="http://schemas.microsoft.com/office/drawing/2014/main" id="{A8DFCB35-6190-C2E5-0329-531D2C6F7560}"/>
+                <a16:creationId xmlns:a16="http://schemas.microsoft.com/office/drawing/2014/main" id="{DBB8482B-9EC3-2543-C001-05D2A8CC3DCF}"/>
               </a:ext>
             </a:extLst>
           </p:cNvPr>
@@ -12947,7 +13388,7 @@
           <p:cNvPr id="5" name="Content Placeholder 4">
             <a:extLst>
               <a:ext uri="{FF2B5EF4-FFF2-40B4-BE49-F238E27FC236}">
-                <a16:creationId xmlns:a16="http://schemas.microsoft.com/office/drawing/2014/main" id="{BA70B379-EEEC-50B3-65A0-D46B2928E93B}"/>
+                <a16:creationId xmlns:a16="http://schemas.microsoft.com/office/drawing/2014/main" id="{9751DB7C-2F4E-2624-1090-7CAB902705EA}"/>
               </a:ext>
             </a:extLst>
           </p:cNvPr>
@@ -12960,77 +13401,91 @@
         </p:nvSpPr>
         <p:spPr/>
         <p:txBody>
-          <a:bodyPr/>
+          <a:bodyPr>
+            <a:normAutofit lnSpcReduction="10000"/>
+          </a:bodyPr>
           <a:lstStyle/>
           <a:p>
+            <a:pPr marL="0" indent="0">
+              <a:buNone/>
+            </a:pPr>
+            <a:r>
+              <a:rPr lang="en-US" b="1" dirty="0"/>
+              <a:t>ROLL YOUR OWN </a:t>
+            </a:r>
             <a:r>
               <a:rPr lang="en-US" dirty="0"/>
-              <a:t>Designed to work hand-in-hand with </a:t>
+              <a:t>(from </a:t>
             </a:r>
             <a:r>
               <a:rPr lang="en-US" dirty="0" err="1"/>
-              <a:t>Serilog</a:t>
+              <a:t>BasicsDemo</a:t>
             </a:r>
             <a:r>
               <a:rPr lang="en-US" dirty="0"/>
-              <a:t> &amp; Seq</a:t>
-            </a:r>
-          </a:p>
-          <a:p>
+              <a:t>)</a:t>
+            </a:r>
+          </a:p>
+          <a:p>
+            <a:pPr marL="0" indent="0">
+              <a:buNone/>
+            </a:pPr>
+            <a:r>
+              <a:rPr lang="en-US" b="1" dirty="0" err="1"/>
+              <a:t>Safe.Do</a:t>
+            </a:r>
             <a:r>
               <a:rPr lang="en-US" dirty="0"/>
-              <a:t>Opinionated, but not a NuGet (you may want to add your own spin)</a:t>
-            </a:r>
-          </a:p>
-          <a:p>
+              <a:t> – Tries to invoke an action, “eating” any resulting Exception </a:t>
+            </a:r>
+          </a:p>
+          <a:p>
+            <a:pPr marL="0" indent="0">
+              <a:buNone/>
+            </a:pPr>
+            <a:r>
+              <a:rPr lang="en-US" b="1" dirty="0" err="1"/>
+              <a:t>Safe.Convert</a:t>
+            </a:r>
             <a:r>
               <a:rPr lang="en-US" dirty="0"/>
-              <a:t>Mediates logging data through standard and customized “log-items”</a:t>
-            </a:r>
-          </a:p>
-          <a:p>
-            <a:pPr lvl="1"/>
+              <a:t> – Converts a value, if possible, or returns default</a:t>
+            </a:r>
+          </a:p>
+          <a:p>
+            <a:pPr marL="0" indent="0">
+              <a:buNone/>
+            </a:pPr>
+            <a:r>
+              <a:rPr lang="en-US" b="1" dirty="0" err="1"/>
+              <a:t>Safe.TryConvert</a:t>
+            </a:r>
             <a:r>
               <a:rPr lang="en-US" dirty="0"/>
-              <a:t>Free-form log messages may be intermingled with log-items</a:t>
-            </a:r>
-          </a:p>
-          <a:p>
-            <a:r>
-              <a:rPr lang="en-US" dirty="0"/>
-              <a:t>See </a:t>
-            </a:r>
+              <a:t> – Safe value conversion in a tradition try/get format</a:t>
+            </a:r>
+          </a:p>
+          <a:p>
+            <a:endParaRPr lang="en-US" dirty="0"/>
+          </a:p>
+          <a:p>
+            <a:pPr marL="0" indent="0">
+              <a:buNone/>
+            </a:pPr>
+            <a:r>
+              <a:rPr lang="en-US" b="1" dirty="0"/>
+              <a:t>SQUIDEYES.FUNDAMENTALS</a:t>
+            </a:r>
+          </a:p>
+          <a:p>
+            <a:pPr marL="0" indent="0">
+              <a:buNone/>
+            </a:pPr>
             <a:r>
               <a:rPr lang="en-US" dirty="0">
                 <a:hlinkClick r:id="rId2"/>
               </a:rPr>
-              <a:t>https://datalust.co/seq</a:t>
-            </a:r>
-            <a:r>
-              <a:rPr lang="en-US" dirty="0"/>
-              <a:t> and </a:t>
-            </a:r>
-            <a:r>
-              <a:rPr lang="en-US" dirty="0">
-                <a:hlinkClick r:id="rId3"/>
-              </a:rPr>
-              <a:t>https://serilog.net/</a:t>
-            </a:r>
-            <a:r>
-              <a:rPr lang="en-US" dirty="0"/>
-              <a:t> for (lots of) details</a:t>
-            </a:r>
-          </a:p>
-          <a:p>
-            <a:r>
-              <a:rPr lang="en-US" dirty="0"/>
-              <a:t>Seq cheat-sheets: </a:t>
-            </a:r>
-            <a:r>
-              <a:rPr lang="en-US" dirty="0">
-                <a:hlinkClick r:id="rId4"/>
-              </a:rPr>
-              <a:t>https://github.com/datalust/seq-cheat-sheets</a:t>
+              <a:t>https://github.com/squideyes/Fundamentals</a:t>
             </a:r>
             <a:endParaRPr lang="en-US" dirty="0"/>
           </a:p>
@@ -13042,7 +13497,7 @@
     </p:spTree>
     <p:extLst>
       <p:ext uri="{BB962C8B-B14F-4D97-AF65-F5344CB8AC3E}">
-        <p14:creationId xmlns:p14="http://schemas.microsoft.com/office/powerpoint/2010/main" val="1974146263"/>
+        <p14:creationId xmlns:p14="http://schemas.microsoft.com/office/powerpoint/2010/main" val="2230350382"/>
       </p:ext>
     </p:extLst>
   </p:cSld>
@@ -13074,7 +13529,7 @@
           <p:cNvPr id="2" name="Title 1">
             <a:extLst>
               <a:ext uri="{FF2B5EF4-FFF2-40B4-BE49-F238E27FC236}">
-                <a16:creationId xmlns:a16="http://schemas.microsoft.com/office/drawing/2014/main" id="{198B7400-16EC-7420-98C9-85AE7886563C}"/>
+                <a16:creationId xmlns:a16="http://schemas.microsoft.com/office/drawing/2014/main" id="{8C4ECAC0-2F45-ACF1-D122-820B32527784}"/>
               </a:ext>
             </a:extLst>
           </p:cNvPr>
@@ -13091,9 +13546,10 @@
           <a:lstStyle/>
           <a:p>
             <a:r>
-              <a:rPr lang="en-US" dirty="0"/>
-              <a:t>Resources</a:t>
-            </a:r>
+              <a:rPr lang="en-US" dirty="0" err="1"/>
+              <a:t>LogSmart</a:t>
+            </a:r>
+            <a:endParaRPr lang="en-US" dirty="0"/>
           </a:p>
         </p:txBody>
       </p:sp>
@@ -13102,7 +13558,7 @@
           <p:cNvPr id="3" name="Footer Placeholder 2">
             <a:extLst>
               <a:ext uri="{FF2B5EF4-FFF2-40B4-BE49-F238E27FC236}">
-                <a16:creationId xmlns:a16="http://schemas.microsoft.com/office/drawing/2014/main" id="{079D9A43-F514-B554-AA9E-56BD7F13E82C}"/>
+                <a16:creationId xmlns:a16="http://schemas.microsoft.com/office/drawing/2014/main" id="{804E4DFD-46B2-F47C-6DD2-65641A4A14B6}"/>
               </a:ext>
             </a:extLst>
           </p:cNvPr>
@@ -13119,9 +13575,10 @@
           <a:lstStyle/>
           <a:p>
             <a:r>
-              <a:rPr lang="en-US" dirty="0"/>
+              <a:rPr lang="en-US"/>
               <a:t>Presentation title</a:t>
             </a:r>
+            <a:endParaRPr lang="en-US" dirty="0"/>
           </a:p>
         </p:txBody>
       </p:sp>
@@ -13130,7 +13587,7 @@
           <p:cNvPr id="4" name="Slide Number Placeholder 3">
             <a:extLst>
               <a:ext uri="{FF2B5EF4-FFF2-40B4-BE49-F238E27FC236}">
-                <a16:creationId xmlns:a16="http://schemas.microsoft.com/office/drawing/2014/main" id="{4E7D3A1D-51D2-9DA8-0ECB-6B829F1B0E7B}"/>
+                <a16:creationId xmlns:a16="http://schemas.microsoft.com/office/drawing/2014/main" id="{A8DFCB35-6190-C2E5-0329-531D2C6F7560}"/>
               </a:ext>
             </a:extLst>
           </p:cNvPr>
@@ -13160,7 +13617,7 @@
           <p:cNvPr id="5" name="Content Placeholder 4">
             <a:extLst>
               <a:ext uri="{FF2B5EF4-FFF2-40B4-BE49-F238E27FC236}">
-                <a16:creationId xmlns:a16="http://schemas.microsoft.com/office/drawing/2014/main" id="{4027FCF1-D7FF-296F-5C10-F38C7F2517C5}"/>
+                <a16:creationId xmlns:a16="http://schemas.microsoft.com/office/drawing/2014/main" id="{BA70B379-EEEC-50B3-65A0-D46B2928E93B}"/>
               </a:ext>
             </a:extLst>
           </p:cNvPr>
@@ -13173,98 +13630,78 @@
         </p:nvSpPr>
         <p:spPr/>
         <p:txBody>
-          <a:bodyPr>
-            <a:normAutofit fontScale="92500" lnSpcReduction="10000"/>
-          </a:bodyPr>
+          <a:bodyPr/>
           <a:lstStyle/>
           <a:p>
             <a:r>
-              <a:rPr lang="en-US" dirty="0" err="1">
-                <a:hlinkClick r:id="rId2"/>
-              </a:rPr>
-              <a:t>AppDomain.UnhandledException</a:t>
+              <a:rPr lang="en-US" dirty="0"/>
+              <a:t>Designed to work hand-in-hand with </a:t>
+            </a:r>
+            <a:r>
+              <a:rPr lang="en-US" dirty="0" err="1"/>
+              <a:t>Serilog</a:t>
+            </a:r>
+            <a:r>
+              <a:rPr lang="en-US" dirty="0"/>
+              <a:t> &amp; Seq</a:t>
+            </a:r>
+          </a:p>
+          <a:p>
+            <a:r>
+              <a:rPr lang="en-US" dirty="0"/>
+              <a:t>Opinionated, but not a NuGet (you may want to add your own spin)</a:t>
+            </a:r>
+          </a:p>
+          <a:p>
+            <a:r>
+              <a:rPr lang="en-US" dirty="0"/>
+              <a:t>Mediates logging through standard and customized “log-items”</a:t>
+            </a:r>
+          </a:p>
+          <a:p>
+            <a:pPr lvl="1"/>
+            <a:r>
+              <a:rPr lang="en-US" dirty="0"/>
+              <a:t>Free-form log messages may also be intermingled with log-items</a:t>
+            </a:r>
+          </a:p>
+          <a:p>
+            <a:r>
+              <a:rPr lang="en-US" dirty="0"/>
+              <a:t>See </a:t>
             </a:r>
             <a:r>
               <a:rPr lang="en-US" dirty="0">
                 <a:hlinkClick r:id="rId2"/>
               </a:rPr>
-              <a:t> Event</a:t>
-            </a:r>
-            <a:endParaRPr lang="en-US" dirty="0"/>
-          </a:p>
-          <a:p>
+              <a:t>https://datalust.co/seq</a:t>
+            </a:r>
+            <a:r>
+              <a:rPr lang="en-US" dirty="0"/>
+              <a:t> and </a:t>
+            </a:r>
             <a:r>
               <a:rPr lang="en-US" dirty="0">
                 <a:hlinkClick r:id="rId3"/>
               </a:rPr>
-              <a:t>Exception Handling (w/Examples)</a:t>
-            </a:r>
-            <a:endParaRPr lang="en-US" dirty="0"/>
-          </a:p>
-          <a:p>
-            <a:r>
-              <a:rPr lang="en-US" dirty="0" err="1">
-                <a:hlinkClick r:id="rId4"/>
-              </a:rPr>
-              <a:t>Exceptio</a:t>
+              <a:t>https://serilog.net/</a:t>
+            </a:r>
+            <a:r>
+              <a:rPr lang="en-US" dirty="0"/>
+              <a:t> for (lots of) details</a:t>
+            </a:r>
+          </a:p>
+          <a:p>
+            <a:r>
+              <a:rPr lang="en-US" dirty="0"/>
+              <a:t>Seq cheat-sheets: </a:t>
             </a:r>
             <a:r>
               <a:rPr lang="en-US" dirty="0">
                 <a:hlinkClick r:id="rId4"/>
               </a:rPr>
-              <a:t> Handling Best Practices</a:t>
-            </a:r>
-            <a:r>
-              <a:rPr lang="en-US" dirty="0"/>
-              <a:t> </a:t>
-            </a:r>
-          </a:p>
-          <a:p>
-            <a:r>
-              <a:rPr lang="en-US" dirty="0" err="1">
-                <a:hlinkClick r:id="rId5"/>
-              </a:rPr>
-              <a:t>FluentValidation</a:t>
-            </a:r>
-            <a:r>
-              <a:rPr lang="en-US" dirty="0"/>
-              <a:t> </a:t>
-            </a:r>
-          </a:p>
-          <a:p>
-            <a:r>
-              <a:rPr lang="en-US" dirty="0" err="1">
-                <a:hlinkClick r:id="rId6"/>
-              </a:rPr>
-              <a:t>CallerArgumentExpression</a:t>
-            </a:r>
-            <a:endParaRPr lang="en-US" dirty="0"/>
-          </a:p>
-          <a:p>
-            <a:r>
-              <a:rPr lang="en-US" dirty="0">
-                <a:hlinkClick r:id="rId7"/>
-              </a:rPr>
-              <a:t>Tutorial (Simple)</a:t>
-            </a:r>
-            <a:endParaRPr lang="en-US" dirty="0"/>
-          </a:p>
-          <a:p>
-            <a:r>
-              <a:rPr lang="en-US" dirty="0" err="1">
-                <a:hlinkClick r:id="rId8"/>
-              </a:rPr>
-              <a:t>OneOf</a:t>
-            </a:r>
-            <a:r>
-              <a:rPr lang="en-US" dirty="0">
-                <a:hlinkClick r:id="rId8"/>
-              </a:rPr>
-              <a:t> (Discriminated Unions)</a:t>
-            </a:r>
-            <a:endParaRPr lang="en-US" dirty="0"/>
-          </a:p>
-          <a:p>
+              <a:t>https://github.com/datalust/seq-cheat-sheets</a:t>
+            </a:r>
             <a:endParaRPr lang="en-US" dirty="0"/>
           </a:p>
           <a:p>
@@ -13275,7 +13712,7 @@
     </p:spTree>
     <p:extLst>
       <p:ext uri="{BB962C8B-B14F-4D97-AF65-F5344CB8AC3E}">
-        <p14:creationId xmlns:p14="http://schemas.microsoft.com/office/powerpoint/2010/main" val="3008337639"/>
+        <p14:creationId xmlns:p14="http://schemas.microsoft.com/office/powerpoint/2010/main" val="1974146263"/>
       </p:ext>
     </p:extLst>
   </p:cSld>
@@ -13304,10 +13741,10 @@
       </p:grpSpPr>
       <p:sp>
         <p:nvSpPr>
-          <p:cNvPr id="2" name="Title 1">
-            <a:extLst>
-              <a:ext uri="{FF2B5EF4-FFF2-40B4-BE49-F238E27FC236}">
-                <a16:creationId xmlns:a16="http://schemas.microsoft.com/office/drawing/2014/main" id="{5A5EB5DC-8C2B-5750-6E12-9A35C0FFBA00}"/>
+          <p:cNvPr id="6" name="Title 5">
+            <a:extLst>
+              <a:ext uri="{FF2B5EF4-FFF2-40B4-BE49-F238E27FC236}">
+                <a16:creationId xmlns:a16="http://schemas.microsoft.com/office/drawing/2014/main" id="{0A2D5226-3C7F-080B-F02F-571E8E995898}"/>
               </a:ext>
             </a:extLst>
           </p:cNvPr>
@@ -13325,15 +13762,155 @@
           <a:p>
             <a:r>
               <a:rPr lang="en-US" dirty="0"/>
-              <a:t>Thank you</a:t>
-            </a:r>
+              <a:t>Demos</a:t>
+            </a:r>
+          </a:p>
+        </p:txBody>
+      </p:sp>
+      <p:sp>
+        <p:nvSpPr>
+          <p:cNvPr id="7" name="Content Placeholder 6">
+            <a:extLst>
+              <a:ext uri="{FF2B5EF4-FFF2-40B4-BE49-F238E27FC236}">
+                <a16:creationId xmlns:a16="http://schemas.microsoft.com/office/drawing/2014/main" id="{CCDF699A-D385-EC11-A915-33E642CC4E1B}"/>
+              </a:ext>
+            </a:extLst>
+          </p:cNvPr>
+          <p:cNvSpPr>
+            <a:spLocks noGrp="1"/>
+          </p:cNvSpPr>
+          <p:nvPr>
+            <p:ph idx="1"/>
+          </p:nvPr>
+        </p:nvSpPr>
+        <p:spPr>
+          <a:xfrm>
+            <a:off x="8167471" y="1933753"/>
+            <a:ext cx="2999232" cy="2843784"/>
+          </a:xfrm>
+        </p:spPr>
+        <p:txBody>
+          <a:bodyPr/>
+          <a:lstStyle/>
+          <a:p>
+            <a:pPr marL="342900" indent="-342900">
+              <a:buFont typeface="Arial" panose="020B0604020202020204" pitchFamily="34" charset="0"/>
+              <a:buChar char="•"/>
+            </a:pPr>
+            <a:r>
+              <a:rPr lang="en-US" b="1" dirty="0" err="1"/>
+              <a:t>BasicsDemo</a:t>
+            </a:r>
+            <a:endParaRPr lang="en-US" b="1" dirty="0"/>
+          </a:p>
+          <a:p>
+            <a:pPr marL="342900" indent="-342900">
+              <a:buFont typeface="Arial" panose="020B0604020202020204" pitchFamily="34" charset="0"/>
+              <a:buChar char="•"/>
+            </a:pPr>
+            <a:r>
+              <a:rPr lang="en-US" b="1" dirty="0" err="1"/>
+              <a:t>LoggingDemo</a:t>
+            </a:r>
+            <a:endParaRPr lang="en-US" b="1" dirty="0"/>
+          </a:p>
+          <a:p>
+            <a:pPr marL="342900" indent="-342900">
+              <a:buFont typeface="Arial" panose="020B0604020202020204" pitchFamily="34" charset="0"/>
+              <a:buChar char="•"/>
+            </a:pPr>
+            <a:r>
+              <a:rPr lang="en-US" b="1" dirty="0" err="1"/>
+              <a:t>OneOfDemo</a:t>
+            </a:r>
+            <a:endParaRPr lang="en-US" b="1" dirty="0"/>
+          </a:p>
+          <a:p>
+            <a:pPr marL="342900" indent="-342900">
+              <a:buFont typeface="Arial" panose="020B0604020202020204" pitchFamily="34" charset="0"/>
+              <a:buChar char="•"/>
+            </a:pPr>
+            <a:r>
+              <a:rPr lang="en-US" b="1" dirty="0" err="1"/>
+              <a:t>ValidationDemo</a:t>
+            </a:r>
+            <a:endParaRPr lang="en-US" b="1" dirty="0"/>
+          </a:p>
+        </p:txBody>
+      </p:sp>
+      <p:sp>
+        <p:nvSpPr>
+          <p:cNvPr id="3" name="Footer Placeholder 2">
+            <a:extLst>
+              <a:ext uri="{FF2B5EF4-FFF2-40B4-BE49-F238E27FC236}">
+                <a16:creationId xmlns:a16="http://schemas.microsoft.com/office/drawing/2014/main" id="{1ECF8E12-797F-B257-27DB-F0397A36E0EE}"/>
+              </a:ext>
+            </a:extLst>
+          </p:cNvPr>
+          <p:cNvSpPr>
+            <a:spLocks noGrp="1"/>
+          </p:cNvSpPr>
+          <p:nvPr>
+            <p:ph type="ftr" sz="quarter" idx="4294967295"/>
+          </p:nvPr>
+        </p:nvSpPr>
+        <p:spPr>
+          <a:xfrm>
+            <a:off x="0" y="6356350"/>
+            <a:ext cx="4114800" cy="365125"/>
+          </a:xfrm>
+        </p:spPr>
+        <p:txBody>
+          <a:bodyPr/>
+          <a:lstStyle/>
+          <a:p>
+            <a:r>
+              <a:rPr lang="en-US"/>
+              <a:t>Presentation title</a:t>
+            </a:r>
+            <a:endParaRPr lang="en-US" dirty="0"/>
+          </a:p>
+        </p:txBody>
+      </p:sp>
+      <p:sp>
+        <p:nvSpPr>
+          <p:cNvPr id="4" name="Slide Number Placeholder 3">
+            <a:extLst>
+              <a:ext uri="{FF2B5EF4-FFF2-40B4-BE49-F238E27FC236}">
+                <a16:creationId xmlns:a16="http://schemas.microsoft.com/office/drawing/2014/main" id="{6B2F7E53-DFC8-B0B6-DBBB-A2CA98EAFE93}"/>
+              </a:ext>
+            </a:extLst>
+          </p:cNvPr>
+          <p:cNvSpPr>
+            <a:spLocks noGrp="1"/>
+          </p:cNvSpPr>
+          <p:nvPr>
+            <p:ph type="sldNum" sz="quarter" idx="4294967295"/>
+          </p:nvPr>
+        </p:nvSpPr>
+        <p:spPr>
+          <a:xfrm>
+            <a:off x="9448800" y="6356350"/>
+            <a:ext cx="2743200" cy="365125"/>
+          </a:xfrm>
+        </p:spPr>
+        <p:txBody>
+          <a:bodyPr/>
+          <a:lstStyle/>
+          <a:p>
+            <a:fld id="{294A09A9-5501-47C1-A89A-A340965A2BE2}" type="slidenum">
+              <a:rPr lang="en-US" smtClean="0"/>
+              <a:pPr/>
+              <a:t>9</a:t>
+            </a:fld>
+            <a:endParaRPr lang="en-US" dirty="0"/>
           </a:p>
         </p:txBody>
       </p:sp>
     </p:spTree>
     <p:extLst>
       <p:ext uri="{BB962C8B-B14F-4D97-AF65-F5344CB8AC3E}">
-        <p14:creationId xmlns:p14="http://schemas.microsoft.com/office/powerpoint/2010/main" val="2790251853"/>
+        <p14:creationId xmlns:p14="http://schemas.microsoft.com/office/powerpoint/2010/main" val="4068453922"/>
       </p:ext>
     </p:extLst>
   </p:cSld>
@@ -14135,35 +14712,6 @@
 </file>
 
 <file path=customXml/item1.xml><?xml version="1.0" encoding="utf-8"?>
-<?mso-contentType ?>
-<FormTemplates xmlns="http://schemas.microsoft.com/sharepoint/v3/contenttype/forms">
-  <Display>DocumentLibraryForm</Display>
-  <Edit>DocumentLibraryForm</Edit>
-  <New>DocumentLibraryForm</New>
-</FormTemplates>
-</file>
-
-<file path=customXml/item2.xml><?xml version="1.0" encoding="utf-8"?>
-<p:properties xmlns:p="http://schemas.microsoft.com/office/2006/metadata/properties" xmlns:xsi="http://www.w3.org/2001/XMLSchema-instance" xmlns:pc="http://schemas.microsoft.com/office/infopath/2007/PartnerControls">
-  <documentManagement>
-    <_ip_UnifiedCompliancePolicyUIAction xmlns="http://schemas.microsoft.com/sharepoint/v3" xsi:nil="true"/>
-    <Image xmlns="71af3243-3dd4-4a8d-8c0d-dd76da1f02a5">
-      <Url xsi:nil="true"/>
-      <Description xsi:nil="true"/>
-    </Image>
-    <Status xmlns="71af3243-3dd4-4a8d-8c0d-dd76da1f02a5">Not started</Status>
-    <Background xmlns="71af3243-3dd4-4a8d-8c0d-dd76da1f02a5">false</Background>
-    <_ip_UnifiedCompliancePolicyProperties xmlns="http://schemas.microsoft.com/sharepoint/v3" xsi:nil="true"/>
-    <ImageTagsTaxHTField xmlns="71af3243-3dd4-4a8d-8c0d-dd76da1f02a5">
-      <Terms xmlns="http://schemas.microsoft.com/office/infopath/2007/PartnerControls"/>
-    </ImageTagsTaxHTField>
-    <TaxCatchAll xmlns="230e9df3-be65-4c73-a93b-d1236ebd677e" xsi:nil="true"/>
-    <MediaServiceKeyPoints xmlns="71af3243-3dd4-4a8d-8c0d-dd76da1f02a5" xsi:nil="true"/>
-  </documentManagement>
-</p:properties>
-</file>
-
-<file path=customXml/item3.xml><?xml version="1.0" encoding="utf-8"?>
 <ct:contentTypeSchema xmlns:ct="http://schemas.microsoft.com/office/2006/metadata/contentType" xmlns:ma="http://schemas.microsoft.com/office/2006/metadata/properties/metaAttributes" ct:_="" ma:_="" ma:contentTypeName="Document" ma:contentTypeID="0x01010079F111ED35F8CC479449609E8A0923A6" ma:contentTypeVersion="24" ma:contentTypeDescription="Create a new document." ma:contentTypeScope="" ma:versionID="2d714a3296df14eba7a100bb665443ca">
   <xsd:schema xmlns:xsd="http://www.w3.org/2001/XMLSchema" xmlns:xs="http://www.w3.org/2001/XMLSchema" xmlns:p="http://schemas.microsoft.com/office/2006/metadata/properties" xmlns:ns1="http://schemas.microsoft.com/sharepoint/v3" xmlns:ns2="71af3243-3dd4-4a8d-8c0d-dd76da1f02a5" xmlns:ns3="16c05727-aa75-4e4a-9b5f-8a80a1165891" xmlns:ns4="230e9df3-be65-4c73-a93b-d1236ebd677e" targetNamespace="http://schemas.microsoft.com/office/2006/metadata/properties" ma:root="true" ma:fieldsID="49549bf45bfbbfb6cffed527380e77e1" ns1:_="" ns2:_="" ns3:_="" ns4:_="">
     <xsd:import namespace="http://schemas.microsoft.com/sharepoint/v3"/>
@@ -14451,27 +14999,36 @@
 </ct:contentTypeSchema>
 </file>
 
-<file path=customXml/itemProps1.xml><?xml version="1.0" encoding="utf-8"?>
-<ds:datastoreItem xmlns:ds="http://schemas.openxmlformats.org/officeDocument/2006/customXml" ds:itemID="{9ACE2AAA-C718-435C-B4E6-95A08ACAC441}">
-  <ds:schemaRefs>
-    <ds:schemaRef ds:uri="http://schemas.microsoft.com/sharepoint/v3/contenttype/forms"/>
-  </ds:schemaRefs>
-</ds:datastoreItem>
+<file path=customXml/item2.xml><?xml version="1.0" encoding="utf-8"?>
+<p:properties xmlns:p="http://schemas.microsoft.com/office/2006/metadata/properties" xmlns:xsi="http://www.w3.org/2001/XMLSchema-instance" xmlns:pc="http://schemas.microsoft.com/office/infopath/2007/PartnerControls">
+  <documentManagement>
+    <_ip_UnifiedCompliancePolicyUIAction xmlns="http://schemas.microsoft.com/sharepoint/v3" xsi:nil="true"/>
+    <Image xmlns="71af3243-3dd4-4a8d-8c0d-dd76da1f02a5">
+      <Url xsi:nil="true"/>
+      <Description xsi:nil="true"/>
+    </Image>
+    <Status xmlns="71af3243-3dd4-4a8d-8c0d-dd76da1f02a5">Not started</Status>
+    <Background xmlns="71af3243-3dd4-4a8d-8c0d-dd76da1f02a5">false</Background>
+    <_ip_UnifiedCompliancePolicyProperties xmlns="http://schemas.microsoft.com/sharepoint/v3" xsi:nil="true"/>
+    <ImageTagsTaxHTField xmlns="71af3243-3dd4-4a8d-8c0d-dd76da1f02a5">
+      <Terms xmlns="http://schemas.microsoft.com/office/infopath/2007/PartnerControls"/>
+    </ImageTagsTaxHTField>
+    <TaxCatchAll xmlns="230e9df3-be65-4c73-a93b-d1236ebd677e" xsi:nil="true"/>
+    <MediaServiceKeyPoints xmlns="71af3243-3dd4-4a8d-8c0d-dd76da1f02a5" xsi:nil="true"/>
+  </documentManagement>
+</p:properties>
 </file>
 
-<file path=customXml/itemProps2.xml><?xml version="1.0" encoding="utf-8"?>
-<ds:datastoreItem xmlns:ds="http://schemas.openxmlformats.org/officeDocument/2006/customXml" ds:itemID="{8FBB2F3B-6257-41BB-8B64-5AC7494F274B}">
-  <ds:schemaRefs>
-    <ds:schemaRef ds:uri="http://schemas.microsoft.com/office/2006/metadata/properties"/>
-    <ds:schemaRef ds:uri="http://schemas.microsoft.com/office/infopath/2007/PartnerControls"/>
-    <ds:schemaRef ds:uri="http://schemas.microsoft.com/sharepoint/v3"/>
-    <ds:schemaRef ds:uri="71af3243-3dd4-4a8d-8c0d-dd76da1f02a5"/>
-    <ds:schemaRef ds:uri="230e9df3-be65-4c73-a93b-d1236ebd677e"/>
-  </ds:schemaRefs>
-</ds:datastoreItem>
+<file path=customXml/item3.xml><?xml version="1.0" encoding="utf-8"?>
+<?mso-contentType ?>
+<FormTemplates xmlns="http://schemas.microsoft.com/sharepoint/v3/contenttype/forms">
+  <Display>DocumentLibraryForm</Display>
+  <Edit>DocumentLibraryForm</Edit>
+  <New>DocumentLibraryForm</New>
+</FormTemplates>
 </file>
 
-<file path=customXml/itemProps3.xml><?xml version="1.0" encoding="utf-8"?>
+<file path=customXml/itemProps1.xml><?xml version="1.0" encoding="utf-8"?>
 <ds:datastoreItem xmlns:ds="http://schemas.openxmlformats.org/officeDocument/2006/customXml" ds:itemID="{614EFF02-EA18-493C-972D-813DB244CB64}">
   <ds:schemaRefs>
     <ds:schemaRef ds:uri="http://schemas.microsoft.com/office/2006/metadata/contentType"/>
@@ -14492,6 +15049,26 @@
 </ds:datastoreItem>
 </file>
 
+<file path=customXml/itemProps2.xml><?xml version="1.0" encoding="utf-8"?>
+<ds:datastoreItem xmlns:ds="http://schemas.openxmlformats.org/officeDocument/2006/customXml" ds:itemID="{8FBB2F3B-6257-41BB-8B64-5AC7494F274B}">
+  <ds:schemaRefs>
+    <ds:schemaRef ds:uri="http://schemas.microsoft.com/office/2006/metadata/properties"/>
+    <ds:schemaRef ds:uri="http://schemas.microsoft.com/office/infopath/2007/PartnerControls"/>
+    <ds:schemaRef ds:uri="http://schemas.microsoft.com/sharepoint/v3"/>
+    <ds:schemaRef ds:uri="71af3243-3dd4-4a8d-8c0d-dd76da1f02a5"/>
+    <ds:schemaRef ds:uri="230e9df3-be65-4c73-a93b-d1236ebd677e"/>
+  </ds:schemaRefs>
+</ds:datastoreItem>
+</file>
+
+<file path=customXml/itemProps3.xml><?xml version="1.0" encoding="utf-8"?>
+<ds:datastoreItem xmlns:ds="http://schemas.openxmlformats.org/officeDocument/2006/customXml" ds:itemID="{9ACE2AAA-C718-435C-B4E6-95A08ACAC441}">
+  <ds:schemaRefs>
+    <ds:schemaRef ds:uri="http://schemas.microsoft.com/sharepoint/v3/contenttype/forms"/>
+  </ds:schemaRefs>
+</ds:datastoreItem>
+</file>
+
 <file path=docMetadata/LabelInfo.xml><?xml version="1.0" encoding="utf-8"?>
 <clbl:labelList xmlns:clbl="http://schemas.microsoft.com/office/2020/mipLabelMetadata"/>
 </file>
--- a/PDN May 2023.pptx
+++ b/PDN May 2023.pptx
@@ -13630,8 +13630,35 @@
         </p:nvSpPr>
         <p:spPr/>
         <p:txBody>
-          <a:bodyPr/>
+          <a:bodyPr>
+            <a:normAutofit lnSpcReduction="10000"/>
+          </a:bodyPr>
           <a:lstStyle/>
+          <a:p>
+            <a:r>
+              <a:rPr lang="en-US" dirty="0"/>
+              <a:t>Setup: </a:t>
+            </a:r>
+            <a:r>
+              <a:rPr lang="en-US" b="1" dirty="0">
+                <a:solidFill>
+                  <a:srgbClr val="FF0000"/>
+                </a:solidFill>
+                <a:hlinkClick r:id="rId2">
+                  <a:extLst>
+                    <a:ext uri="{A12FA001-AC4F-418D-AE19-62706E023703}">
+                      <ahyp:hlinkClr xmlns:ahyp="http://schemas.microsoft.com/office/drawing/2018/hyperlinkcolor" val="tx"/>
+                    </a:ext>
+                  </a:extLst>
+                </a:hlinkClick>
+              </a:rPr>
+              <a:t>https://docs.datalust.co/docs/getting-started-with-docker</a:t>
+            </a:r>
+            <a:r>
+              <a:rPr lang="en-US" dirty="0"/>
+              <a:t> </a:t>
+            </a:r>
+          </a:p>
           <a:p>
             <a:r>
               <a:rPr lang="en-US" dirty="0"/>
@@ -13669,42 +13696,39 @@
             <a:r>
               <a:rPr lang="en-US" dirty="0"/>
               <a:t>See </a:t>
-            </a:r>
-            <a:r>
-              <a:rPr lang="en-US" dirty="0">
-                <a:hlinkClick r:id="rId2"/>
-              </a:rPr>
-              <a:t>https://datalust.co/seq</a:t>
-            </a:r>
-            <a:r>
-              <a:rPr lang="en-US" dirty="0"/>
-              <a:t> and </a:t>
             </a:r>
             <a:r>
               <a:rPr lang="en-US" dirty="0">
                 <a:hlinkClick r:id="rId3"/>
               </a:rPr>
-              <a:t>https://serilog.net/</a:t>
+              <a:t>https://datalust.co/seq</a:t>
             </a:r>
             <a:r>
               <a:rPr lang="en-US" dirty="0"/>
-              <a:t> for (lots of) details</a:t>
-            </a:r>
-          </a:p>
-          <a:p>
-            <a:r>
-              <a:rPr lang="en-US" dirty="0"/>
-              <a:t>Seq cheat-sheets: </a:t>
+              <a:t> and </a:t>
             </a:r>
             <a:r>
               <a:rPr lang="en-US" dirty="0">
                 <a:hlinkClick r:id="rId4"/>
               </a:rPr>
+              <a:t>https://serilog.net/</a:t>
+            </a:r>
+            <a:r>
+              <a:rPr lang="en-US" dirty="0"/>
+              <a:t> for (lots of) details</a:t>
+            </a:r>
+          </a:p>
+          <a:p>
+            <a:r>
+              <a:rPr lang="en-US" dirty="0"/>
+              <a:t>Seq cheat-sheets: </a:t>
+            </a:r>
+            <a:r>
+              <a:rPr lang="en-US" dirty="0">
+                <a:hlinkClick r:id="rId5"/>
+              </a:rPr>
               <a:t>https://github.com/datalust/seq-cheat-sheets</a:t>
             </a:r>
-            <a:endParaRPr lang="en-US" dirty="0"/>
-          </a:p>
-          <a:p>
             <a:endParaRPr lang="en-US" dirty="0"/>
           </a:p>
         </p:txBody>
@@ -14712,6 +14736,35 @@
 </file>
 
 <file path=customXml/item1.xml><?xml version="1.0" encoding="utf-8"?>
+<?mso-contentType ?>
+<FormTemplates xmlns="http://schemas.microsoft.com/sharepoint/v3/contenttype/forms">
+  <Display>DocumentLibraryForm</Display>
+  <Edit>DocumentLibraryForm</Edit>
+  <New>DocumentLibraryForm</New>
+</FormTemplates>
+</file>
+
+<file path=customXml/item2.xml><?xml version="1.0" encoding="utf-8"?>
+<p:properties xmlns:p="http://schemas.microsoft.com/office/2006/metadata/properties" xmlns:xsi="http://www.w3.org/2001/XMLSchema-instance" xmlns:pc="http://schemas.microsoft.com/office/infopath/2007/PartnerControls">
+  <documentManagement>
+    <_ip_UnifiedCompliancePolicyUIAction xmlns="http://schemas.microsoft.com/sharepoint/v3" xsi:nil="true"/>
+    <Image xmlns="71af3243-3dd4-4a8d-8c0d-dd76da1f02a5">
+      <Url xsi:nil="true"/>
+      <Description xsi:nil="true"/>
+    </Image>
+    <Status xmlns="71af3243-3dd4-4a8d-8c0d-dd76da1f02a5">Not started</Status>
+    <Background xmlns="71af3243-3dd4-4a8d-8c0d-dd76da1f02a5">false</Background>
+    <_ip_UnifiedCompliancePolicyProperties xmlns="http://schemas.microsoft.com/sharepoint/v3" xsi:nil="true"/>
+    <ImageTagsTaxHTField xmlns="71af3243-3dd4-4a8d-8c0d-dd76da1f02a5">
+      <Terms xmlns="http://schemas.microsoft.com/office/infopath/2007/PartnerControls"/>
+    </ImageTagsTaxHTField>
+    <TaxCatchAll xmlns="230e9df3-be65-4c73-a93b-d1236ebd677e" xsi:nil="true"/>
+    <MediaServiceKeyPoints xmlns="71af3243-3dd4-4a8d-8c0d-dd76da1f02a5" xsi:nil="true"/>
+  </documentManagement>
+</p:properties>
+</file>
+
+<file path=customXml/item3.xml><?xml version="1.0" encoding="utf-8"?>
 <ct:contentTypeSchema xmlns:ct="http://schemas.microsoft.com/office/2006/metadata/contentType" xmlns:ma="http://schemas.microsoft.com/office/2006/metadata/properties/metaAttributes" ct:_="" ma:_="" ma:contentTypeName="Document" ma:contentTypeID="0x01010079F111ED35F8CC479449609E8A0923A6" ma:contentTypeVersion="24" ma:contentTypeDescription="Create a new document." ma:contentTypeScope="" ma:versionID="2d714a3296df14eba7a100bb665443ca">
   <xsd:schema xmlns:xsd="http://www.w3.org/2001/XMLSchema" xmlns:xs="http://www.w3.org/2001/XMLSchema" xmlns:p="http://schemas.microsoft.com/office/2006/metadata/properties" xmlns:ns1="http://schemas.microsoft.com/sharepoint/v3" xmlns:ns2="71af3243-3dd4-4a8d-8c0d-dd76da1f02a5" xmlns:ns3="16c05727-aa75-4e4a-9b5f-8a80a1165891" xmlns:ns4="230e9df3-be65-4c73-a93b-d1236ebd677e" targetNamespace="http://schemas.microsoft.com/office/2006/metadata/properties" ma:root="true" ma:fieldsID="49549bf45bfbbfb6cffed527380e77e1" ns1:_="" ns2:_="" ns3:_="" ns4:_="">
     <xsd:import namespace="http://schemas.microsoft.com/sharepoint/v3"/>
@@ -14999,36 +15052,27 @@
 </ct:contentTypeSchema>
 </file>
 
-<file path=customXml/item2.xml><?xml version="1.0" encoding="utf-8"?>
-<p:properties xmlns:p="http://schemas.microsoft.com/office/2006/metadata/properties" xmlns:xsi="http://www.w3.org/2001/XMLSchema-instance" xmlns:pc="http://schemas.microsoft.com/office/infopath/2007/PartnerControls">
-  <documentManagement>
-    <_ip_UnifiedCompliancePolicyUIAction xmlns="http://schemas.microsoft.com/sharepoint/v3" xsi:nil="true"/>
-    <Image xmlns="71af3243-3dd4-4a8d-8c0d-dd76da1f02a5">
-      <Url xsi:nil="true"/>
-      <Description xsi:nil="true"/>
-    </Image>
-    <Status xmlns="71af3243-3dd4-4a8d-8c0d-dd76da1f02a5">Not started</Status>
-    <Background xmlns="71af3243-3dd4-4a8d-8c0d-dd76da1f02a5">false</Background>
-    <_ip_UnifiedCompliancePolicyProperties xmlns="http://schemas.microsoft.com/sharepoint/v3" xsi:nil="true"/>
-    <ImageTagsTaxHTField xmlns="71af3243-3dd4-4a8d-8c0d-dd76da1f02a5">
-      <Terms xmlns="http://schemas.microsoft.com/office/infopath/2007/PartnerControls"/>
-    </ImageTagsTaxHTField>
-    <TaxCatchAll xmlns="230e9df3-be65-4c73-a93b-d1236ebd677e" xsi:nil="true"/>
-    <MediaServiceKeyPoints xmlns="71af3243-3dd4-4a8d-8c0d-dd76da1f02a5" xsi:nil="true"/>
-  </documentManagement>
-</p:properties>
+<file path=customXml/itemProps1.xml><?xml version="1.0" encoding="utf-8"?>
+<ds:datastoreItem xmlns:ds="http://schemas.openxmlformats.org/officeDocument/2006/customXml" ds:itemID="{9ACE2AAA-C718-435C-B4E6-95A08ACAC441}">
+  <ds:schemaRefs>
+    <ds:schemaRef ds:uri="http://schemas.microsoft.com/sharepoint/v3/contenttype/forms"/>
+  </ds:schemaRefs>
+</ds:datastoreItem>
 </file>
 
-<file path=customXml/item3.xml><?xml version="1.0" encoding="utf-8"?>
-<?mso-contentType ?>
-<FormTemplates xmlns="http://schemas.microsoft.com/sharepoint/v3/contenttype/forms">
-  <Display>DocumentLibraryForm</Display>
-  <Edit>DocumentLibraryForm</Edit>
-  <New>DocumentLibraryForm</New>
-</FormTemplates>
+<file path=customXml/itemProps2.xml><?xml version="1.0" encoding="utf-8"?>
+<ds:datastoreItem xmlns:ds="http://schemas.openxmlformats.org/officeDocument/2006/customXml" ds:itemID="{8FBB2F3B-6257-41BB-8B64-5AC7494F274B}">
+  <ds:schemaRefs>
+    <ds:schemaRef ds:uri="http://schemas.microsoft.com/office/2006/metadata/properties"/>
+    <ds:schemaRef ds:uri="http://schemas.microsoft.com/office/infopath/2007/PartnerControls"/>
+    <ds:schemaRef ds:uri="http://schemas.microsoft.com/sharepoint/v3"/>
+    <ds:schemaRef ds:uri="71af3243-3dd4-4a8d-8c0d-dd76da1f02a5"/>
+    <ds:schemaRef ds:uri="230e9df3-be65-4c73-a93b-d1236ebd677e"/>
+  </ds:schemaRefs>
+</ds:datastoreItem>
 </file>
 
-<file path=customXml/itemProps1.xml><?xml version="1.0" encoding="utf-8"?>
+<file path=customXml/itemProps3.xml><?xml version="1.0" encoding="utf-8"?>
 <ds:datastoreItem xmlns:ds="http://schemas.openxmlformats.org/officeDocument/2006/customXml" ds:itemID="{614EFF02-EA18-493C-972D-813DB244CB64}">
   <ds:schemaRefs>
     <ds:schemaRef ds:uri="http://schemas.microsoft.com/office/2006/metadata/contentType"/>
@@ -15049,26 +15093,6 @@
 </ds:datastoreItem>
 </file>
 
-<file path=customXml/itemProps2.xml><?xml version="1.0" encoding="utf-8"?>
-<ds:datastoreItem xmlns:ds="http://schemas.openxmlformats.org/officeDocument/2006/customXml" ds:itemID="{8FBB2F3B-6257-41BB-8B64-5AC7494F274B}">
-  <ds:schemaRefs>
-    <ds:schemaRef ds:uri="http://schemas.microsoft.com/office/2006/metadata/properties"/>
-    <ds:schemaRef ds:uri="http://schemas.microsoft.com/office/infopath/2007/PartnerControls"/>
-    <ds:schemaRef ds:uri="http://schemas.microsoft.com/sharepoint/v3"/>
-    <ds:schemaRef ds:uri="71af3243-3dd4-4a8d-8c0d-dd76da1f02a5"/>
-    <ds:schemaRef ds:uri="230e9df3-be65-4c73-a93b-d1236ebd677e"/>
-  </ds:schemaRefs>
-</ds:datastoreItem>
-</file>
-
-<file path=customXml/itemProps3.xml><?xml version="1.0" encoding="utf-8"?>
-<ds:datastoreItem xmlns:ds="http://schemas.openxmlformats.org/officeDocument/2006/customXml" ds:itemID="{9ACE2AAA-C718-435C-B4E6-95A08ACAC441}">
-  <ds:schemaRefs>
-    <ds:schemaRef ds:uri="http://schemas.microsoft.com/sharepoint/v3/contenttype/forms"/>
-  </ds:schemaRefs>
-</ds:datastoreItem>
-</file>
-
 <file path=docMetadata/LabelInfo.xml><?xml version="1.0" encoding="utf-8"?>
 <clbl:labelList xmlns:clbl="http://schemas.microsoft.com/office/2020/mipLabelMetadata"/>
 </file>
--- a/PDN May 2023.pptx
+++ b/PDN May 2023.pptx
@@ -154,6 +154,139 @@
 
 <file path=ppt/changesInfos/changesInfo1.xml><?xml version="1.0" encoding="utf-8"?>
 <pc:chgInfo xmlns:a="http://schemas.openxmlformats.org/drawingml/2006/main" xmlns:r="http://schemas.openxmlformats.org/officeDocument/2006/relationships" xmlns:ac="http://schemas.microsoft.com/office/drawing/2013/main/command" xmlns:pc="http://schemas.microsoft.com/office/powerpoint/2013/main/command">
+  <pc:docChgLst>
+    <pc:chgData name="Louis Berman" userId="a562264b7ba45ef8" providerId="LiveId" clId="{27659EDE-4319-42B0-BDB8-1574B1601A57}"/>
+    <pc:docChg chg="undo custSel modSld modMainMaster">
+      <pc:chgData name="Louis Berman" userId="a562264b7ba45ef8" providerId="LiveId" clId="{27659EDE-4319-42B0-BDB8-1574B1601A57}" dt="2023-05-13T12:08:57.537" v="191" actId="20577"/>
+      <pc:docMkLst>
+        <pc:docMk/>
+      </pc:docMkLst>
+      <pc:sldChg chg="modSp mod">
+        <pc:chgData name="Louis Berman" userId="a562264b7ba45ef8" providerId="LiveId" clId="{27659EDE-4319-42B0-BDB8-1574B1601A57}" dt="2023-05-13T12:05:27.940" v="143" actId="20577"/>
+        <pc:sldMkLst>
+          <pc:docMk/>
+          <pc:sldMk cId="1859527893" sldId="296"/>
+        </pc:sldMkLst>
+        <pc:spChg chg="mod">
+          <ac:chgData name="Louis Berman" userId="a562264b7ba45ef8" providerId="LiveId" clId="{27659EDE-4319-42B0-BDB8-1574B1601A57}" dt="2023-05-13T12:05:27.940" v="143" actId="20577"/>
+          <ac:spMkLst>
+            <pc:docMk/>
+            <pc:sldMk cId="1859527893" sldId="296"/>
+            <ac:spMk id="3" creationId="{22788C46-D0BC-4307-AE55-7601A139E7CB}"/>
+          </ac:spMkLst>
+        </pc:spChg>
+      </pc:sldChg>
+      <pc:sldChg chg="modSp mod">
+        <pc:chgData name="Louis Berman" userId="a562264b7ba45ef8" providerId="LiveId" clId="{27659EDE-4319-42B0-BDB8-1574B1601A57}" dt="2023-05-13T11:58:15.954" v="28" actId="20577"/>
+        <pc:sldMkLst>
+          <pc:docMk/>
+          <pc:sldMk cId="317718070" sldId="305"/>
+        </pc:sldMkLst>
+        <pc:spChg chg="mod">
+          <ac:chgData name="Louis Berman" userId="a562264b7ba45ef8" providerId="LiveId" clId="{27659EDE-4319-42B0-BDB8-1574B1601A57}" dt="2023-05-13T11:58:15.954" v="28" actId="20577"/>
+          <ac:spMkLst>
+            <pc:docMk/>
+            <pc:sldMk cId="317718070" sldId="305"/>
+            <ac:spMk id="2" creationId="{DD24180B-35BA-C28E-820F-59C84FBDD99A}"/>
+          </ac:spMkLst>
+        </pc:spChg>
+        <pc:spChg chg="mod">
+          <ac:chgData name="Louis Berman" userId="a562264b7ba45ef8" providerId="LiveId" clId="{27659EDE-4319-42B0-BDB8-1574B1601A57}" dt="2023-05-13T11:58:07.354" v="11" actId="20577"/>
+          <ac:spMkLst>
+            <pc:docMk/>
+            <pc:sldMk cId="317718070" sldId="305"/>
+            <ac:spMk id="3" creationId="{626260E8-21BF-1371-4767-5E86248A7A7B}"/>
+          </ac:spMkLst>
+        </pc:spChg>
+      </pc:sldChg>
+      <pc:sldChg chg="modSp mod">
+        <pc:chgData name="Louis Berman" userId="a562264b7ba45ef8" providerId="LiveId" clId="{27659EDE-4319-42B0-BDB8-1574B1601A57}" dt="2023-05-13T12:01:16.120" v="48" actId="404"/>
+        <pc:sldMkLst>
+          <pc:docMk/>
+          <pc:sldMk cId="1732999477" sldId="306"/>
+        </pc:sldMkLst>
+        <pc:spChg chg="mod">
+          <ac:chgData name="Louis Berman" userId="a562264b7ba45ef8" providerId="LiveId" clId="{27659EDE-4319-42B0-BDB8-1574B1601A57}" dt="2023-05-13T12:01:16.120" v="48" actId="404"/>
+          <ac:spMkLst>
+            <pc:docMk/>
+            <pc:sldMk cId="1732999477" sldId="306"/>
+            <ac:spMk id="3" creationId="{1A585715-2793-160B-269E-D9516C84D73A}"/>
+          </ac:spMkLst>
+        </pc:spChg>
+      </pc:sldChg>
+      <pc:sldChg chg="modSp mod">
+        <pc:chgData name="Louis Berman" userId="a562264b7ba45ef8" providerId="LiveId" clId="{27659EDE-4319-42B0-BDB8-1574B1601A57}" dt="2023-05-13T12:06:22.083" v="174" actId="20577"/>
+        <pc:sldMkLst>
+          <pc:docMk/>
+          <pc:sldMk cId="2790251853" sldId="316"/>
+        </pc:sldMkLst>
+        <pc:spChg chg="mod">
+          <ac:chgData name="Louis Berman" userId="a562264b7ba45ef8" providerId="LiveId" clId="{27659EDE-4319-42B0-BDB8-1574B1601A57}" dt="2023-05-13T12:06:22.083" v="174" actId="20577"/>
+          <ac:spMkLst>
+            <pc:docMk/>
+            <pc:sldMk cId="2790251853" sldId="316"/>
+            <ac:spMk id="5" creationId="{AAF5CF3F-E5EF-5769-3F83-24ADB4412BBF}"/>
+          </ac:spMkLst>
+        </pc:spChg>
+      </pc:sldChg>
+      <pc:sldMasterChg chg="modSldLayout">
+        <pc:chgData name="Louis Berman" userId="a562264b7ba45ef8" providerId="LiveId" clId="{27659EDE-4319-42B0-BDB8-1574B1601A57}" dt="2023-05-13T12:08:57.537" v="191" actId="20577"/>
+        <pc:sldMasterMkLst>
+          <pc:docMk/>
+          <pc:sldMasterMk cId="1788353970" sldId="2147483648"/>
+        </pc:sldMasterMkLst>
+        <pc:sldLayoutChg chg="modSp mod">
+          <pc:chgData name="Louis Berman" userId="a562264b7ba45ef8" providerId="LiveId" clId="{27659EDE-4319-42B0-BDB8-1574B1601A57}" dt="2023-05-13T12:08:57.537" v="191" actId="20577"/>
+          <pc:sldLayoutMkLst>
+            <pc:docMk/>
+            <pc:sldMasterMk cId="1788353970" sldId="2147483648"/>
+            <pc:sldLayoutMk cId="953980513" sldId="2147483668"/>
+          </pc:sldLayoutMkLst>
+          <pc:spChg chg="mod">
+            <ac:chgData name="Louis Berman" userId="a562264b7ba45ef8" providerId="LiveId" clId="{27659EDE-4319-42B0-BDB8-1574B1601A57}" dt="2023-05-13T12:08:57.537" v="191" actId="20577"/>
+            <ac:spMkLst>
+              <pc:docMk/>
+              <pc:sldMasterMk cId="1788353970" sldId="2147483648"/>
+              <pc:sldLayoutMk cId="953980513" sldId="2147483668"/>
+              <ac:spMk id="8" creationId="{3A51CCCC-1589-401D-AE98-FC28716301EF}"/>
+            </ac:spMkLst>
+          </pc:spChg>
+        </pc:sldLayoutChg>
+      </pc:sldMasterChg>
+    </pc:docChg>
+  </pc:docChgLst>
+  <pc:docChgLst>
+    <pc:chgData name="Louis Berman" userId="a562264b7ba45ef8" providerId="LiveId" clId="{54B41100-9A88-4D19-86C2-D393F773221B}"/>
+    <pc:docChg chg="modSld">
+      <pc:chgData name="Louis Berman" userId="a562264b7ba45ef8" providerId="LiveId" clId="{54B41100-9A88-4D19-86C2-D393F773221B}" dt="2023-03-08T01:56:05.574" v="27" actId="20577"/>
+      <pc:docMkLst>
+        <pc:docMk/>
+      </pc:docMkLst>
+      <pc:sldChg chg="modSp mod">
+        <pc:chgData name="Louis Berman" userId="a562264b7ba45ef8" providerId="LiveId" clId="{54B41100-9A88-4D19-86C2-D393F773221B}" dt="2023-03-08T01:56:05.574" v="27" actId="20577"/>
+        <pc:sldMkLst>
+          <pc:docMk/>
+          <pc:sldMk cId="317718070" sldId="305"/>
+        </pc:sldMkLst>
+        <pc:spChg chg="mod">
+          <ac:chgData name="Louis Berman" userId="a562264b7ba45ef8" providerId="LiveId" clId="{54B41100-9A88-4D19-86C2-D393F773221B}" dt="2023-03-08T01:55:58.175" v="13" actId="20577"/>
+          <ac:spMkLst>
+            <pc:docMk/>
+            <pc:sldMk cId="317718070" sldId="305"/>
+            <ac:spMk id="2" creationId="{DD24180B-35BA-C28E-820F-59C84FBDD99A}"/>
+          </ac:spMkLst>
+        </pc:spChg>
+        <pc:spChg chg="mod">
+          <ac:chgData name="Louis Berman" userId="a562264b7ba45ef8" providerId="LiveId" clId="{54B41100-9A88-4D19-86C2-D393F773221B}" dt="2023-03-08T01:56:05.574" v="27" actId="20577"/>
+          <ac:spMkLst>
+            <pc:docMk/>
+            <pc:sldMk cId="317718070" sldId="305"/>
+            <ac:spMk id="3" creationId="{626260E8-21BF-1371-4767-5E86248A7A7B}"/>
+          </ac:spMkLst>
+        </pc:spChg>
+      </pc:sldChg>
+    </pc:docChg>
+  </pc:docChgLst>
   <pc:docChgLst>
     <pc:chgData name="Louis Berman" userId="a562264b7ba45ef8" providerId="LiveId" clId="{47BA5D07-0137-4DBD-BF27-8F56D5CE6DBB}"/>
     <pc:docChg chg="undo redo custSel addSld delSld modSld sldOrd modMainMaster">
@@ -1124,133 +1257,39 @@
     </pc:docChg>
   </pc:docChgLst>
   <pc:docChgLst>
-    <pc:chgData name="Louis Berman" userId="a562264b7ba45ef8" providerId="LiveId" clId="{27659EDE-4319-42B0-BDB8-1574B1601A57}"/>
-    <pc:docChg chg="undo custSel modSld modMainMaster">
-      <pc:chgData name="Louis Berman" userId="a562264b7ba45ef8" providerId="LiveId" clId="{27659EDE-4319-42B0-BDB8-1574B1601A57}" dt="2023-05-13T12:08:57.537" v="191" actId="20577"/>
+    <pc:chgData name="Louis Berman" userId="a562264b7ba45ef8" providerId="LiveId" clId="{0CF82FBB-0B98-461C-B08C-2EA6430C3712}"/>
+    <pc:docChg chg="undo custSel modSld">
+      <pc:chgData name="Louis Berman" userId="a562264b7ba45ef8" providerId="LiveId" clId="{0CF82FBB-0B98-461C-B08C-2EA6430C3712}" dt="2023-05-17T14:26:18.754" v="19" actId="27636"/>
       <pc:docMkLst>
         <pc:docMk/>
       </pc:docMkLst>
       <pc:sldChg chg="modSp mod">
-        <pc:chgData name="Louis Berman" userId="a562264b7ba45ef8" providerId="LiveId" clId="{27659EDE-4319-42B0-BDB8-1574B1601A57}" dt="2023-05-13T12:05:27.940" v="143" actId="20577"/>
+        <pc:chgData name="Louis Berman" userId="a562264b7ba45ef8" providerId="LiveId" clId="{0CF82FBB-0B98-461C-B08C-2EA6430C3712}" dt="2023-05-17T14:26:18.754" v="19" actId="27636"/>
         <pc:sldMkLst>
           <pc:docMk/>
-          <pc:sldMk cId="1859527893" sldId="296"/>
+          <pc:sldMk cId="1974146263" sldId="322"/>
         </pc:sldMkLst>
         <pc:spChg chg="mod">
-          <ac:chgData name="Louis Berman" userId="a562264b7ba45ef8" providerId="LiveId" clId="{27659EDE-4319-42B0-BDB8-1574B1601A57}" dt="2023-05-13T12:05:27.940" v="143" actId="20577"/>
+          <ac:chgData name="Louis Berman" userId="a562264b7ba45ef8" providerId="LiveId" clId="{0CF82FBB-0B98-461C-B08C-2EA6430C3712}" dt="2023-05-17T14:26:18.754" v="19" actId="27636"/>
           <ac:spMkLst>
             <pc:docMk/>
-            <pc:sldMk cId="1859527893" sldId="296"/>
-            <ac:spMk id="3" creationId="{22788C46-D0BC-4307-AE55-7601A139E7CB}"/>
+            <pc:sldMk cId="1974146263" sldId="322"/>
+            <ac:spMk id="5" creationId="{BA70B379-EEEC-50B3-65A0-D46B2928E93B}"/>
           </ac:spMkLst>
         </pc:spChg>
       </pc:sldChg>
       <pc:sldChg chg="modSp mod">
-        <pc:chgData name="Louis Berman" userId="a562264b7ba45ef8" providerId="LiveId" clId="{27659EDE-4319-42B0-BDB8-1574B1601A57}" dt="2023-05-13T11:58:15.954" v="28" actId="20577"/>
+        <pc:chgData name="Louis Berman" userId="a562264b7ba45ef8" providerId="LiveId" clId="{0CF82FBB-0B98-461C-B08C-2EA6430C3712}" dt="2023-05-17T14:24:58.916" v="0" actId="113"/>
         <pc:sldMkLst>
           <pc:docMk/>
-          <pc:sldMk cId="317718070" sldId="305"/>
+          <pc:sldMk cId="242256332" sldId="323"/>
         </pc:sldMkLst>
         <pc:spChg chg="mod">
-          <ac:chgData name="Louis Berman" userId="a562264b7ba45ef8" providerId="LiveId" clId="{27659EDE-4319-42B0-BDB8-1574B1601A57}" dt="2023-05-13T11:58:15.954" v="28" actId="20577"/>
+          <ac:chgData name="Louis Berman" userId="a562264b7ba45ef8" providerId="LiveId" clId="{0CF82FBB-0B98-461C-B08C-2EA6430C3712}" dt="2023-05-17T14:24:58.916" v="0" actId="113"/>
           <ac:spMkLst>
             <pc:docMk/>
-            <pc:sldMk cId="317718070" sldId="305"/>
-            <ac:spMk id="2" creationId="{DD24180B-35BA-C28E-820F-59C84FBDD99A}"/>
-          </ac:spMkLst>
-        </pc:spChg>
-        <pc:spChg chg="mod">
-          <ac:chgData name="Louis Berman" userId="a562264b7ba45ef8" providerId="LiveId" clId="{27659EDE-4319-42B0-BDB8-1574B1601A57}" dt="2023-05-13T11:58:07.354" v="11" actId="20577"/>
-          <ac:spMkLst>
-            <pc:docMk/>
-            <pc:sldMk cId="317718070" sldId="305"/>
-            <ac:spMk id="3" creationId="{626260E8-21BF-1371-4767-5E86248A7A7B}"/>
-          </ac:spMkLst>
-        </pc:spChg>
-      </pc:sldChg>
-      <pc:sldChg chg="modSp mod">
-        <pc:chgData name="Louis Berman" userId="a562264b7ba45ef8" providerId="LiveId" clId="{27659EDE-4319-42B0-BDB8-1574B1601A57}" dt="2023-05-13T12:01:16.120" v="48" actId="404"/>
-        <pc:sldMkLst>
-          <pc:docMk/>
-          <pc:sldMk cId="1732999477" sldId="306"/>
-        </pc:sldMkLst>
-        <pc:spChg chg="mod">
-          <ac:chgData name="Louis Berman" userId="a562264b7ba45ef8" providerId="LiveId" clId="{27659EDE-4319-42B0-BDB8-1574B1601A57}" dt="2023-05-13T12:01:16.120" v="48" actId="404"/>
-          <ac:spMkLst>
-            <pc:docMk/>
-            <pc:sldMk cId="1732999477" sldId="306"/>
-            <ac:spMk id="3" creationId="{1A585715-2793-160B-269E-D9516C84D73A}"/>
-          </ac:spMkLst>
-        </pc:spChg>
-      </pc:sldChg>
-      <pc:sldChg chg="modSp mod">
-        <pc:chgData name="Louis Berman" userId="a562264b7ba45ef8" providerId="LiveId" clId="{27659EDE-4319-42B0-BDB8-1574B1601A57}" dt="2023-05-13T12:06:22.083" v="174" actId="20577"/>
-        <pc:sldMkLst>
-          <pc:docMk/>
-          <pc:sldMk cId="2790251853" sldId="316"/>
-        </pc:sldMkLst>
-        <pc:spChg chg="mod">
-          <ac:chgData name="Louis Berman" userId="a562264b7ba45ef8" providerId="LiveId" clId="{27659EDE-4319-42B0-BDB8-1574B1601A57}" dt="2023-05-13T12:06:22.083" v="174" actId="20577"/>
-          <ac:spMkLst>
-            <pc:docMk/>
-            <pc:sldMk cId="2790251853" sldId="316"/>
-            <ac:spMk id="5" creationId="{AAF5CF3F-E5EF-5769-3F83-24ADB4412BBF}"/>
-          </ac:spMkLst>
-        </pc:spChg>
-      </pc:sldChg>
-      <pc:sldMasterChg chg="modSldLayout">
-        <pc:chgData name="Louis Berman" userId="a562264b7ba45ef8" providerId="LiveId" clId="{27659EDE-4319-42B0-BDB8-1574B1601A57}" dt="2023-05-13T12:08:57.537" v="191" actId="20577"/>
-        <pc:sldMasterMkLst>
-          <pc:docMk/>
-          <pc:sldMasterMk cId="1788353970" sldId="2147483648"/>
-        </pc:sldMasterMkLst>
-        <pc:sldLayoutChg chg="modSp mod">
-          <pc:chgData name="Louis Berman" userId="a562264b7ba45ef8" providerId="LiveId" clId="{27659EDE-4319-42B0-BDB8-1574B1601A57}" dt="2023-05-13T12:08:57.537" v="191" actId="20577"/>
-          <pc:sldLayoutMkLst>
-            <pc:docMk/>
-            <pc:sldMasterMk cId="1788353970" sldId="2147483648"/>
-            <pc:sldLayoutMk cId="953980513" sldId="2147483668"/>
-          </pc:sldLayoutMkLst>
-          <pc:spChg chg="mod">
-            <ac:chgData name="Louis Berman" userId="a562264b7ba45ef8" providerId="LiveId" clId="{27659EDE-4319-42B0-BDB8-1574B1601A57}" dt="2023-05-13T12:08:57.537" v="191" actId="20577"/>
-            <ac:spMkLst>
-              <pc:docMk/>
-              <pc:sldMasterMk cId="1788353970" sldId="2147483648"/>
-              <pc:sldLayoutMk cId="953980513" sldId="2147483668"/>
-              <ac:spMk id="8" creationId="{3A51CCCC-1589-401D-AE98-FC28716301EF}"/>
-            </ac:spMkLst>
-          </pc:spChg>
-        </pc:sldLayoutChg>
-      </pc:sldMasterChg>
-    </pc:docChg>
-  </pc:docChgLst>
-  <pc:docChgLst>
-    <pc:chgData name="Louis Berman" userId="a562264b7ba45ef8" providerId="LiveId" clId="{54B41100-9A88-4D19-86C2-D393F773221B}"/>
-    <pc:docChg chg="modSld">
-      <pc:chgData name="Louis Berman" userId="a562264b7ba45ef8" providerId="LiveId" clId="{54B41100-9A88-4D19-86C2-D393F773221B}" dt="2023-03-08T01:56:05.574" v="27" actId="20577"/>
-      <pc:docMkLst>
-        <pc:docMk/>
-      </pc:docMkLst>
-      <pc:sldChg chg="modSp mod">
-        <pc:chgData name="Louis Berman" userId="a562264b7ba45ef8" providerId="LiveId" clId="{54B41100-9A88-4D19-86C2-D393F773221B}" dt="2023-03-08T01:56:05.574" v="27" actId="20577"/>
-        <pc:sldMkLst>
-          <pc:docMk/>
-          <pc:sldMk cId="317718070" sldId="305"/>
-        </pc:sldMkLst>
-        <pc:spChg chg="mod">
-          <ac:chgData name="Louis Berman" userId="a562264b7ba45ef8" providerId="LiveId" clId="{54B41100-9A88-4D19-86C2-D393F773221B}" dt="2023-03-08T01:55:58.175" v="13" actId="20577"/>
-          <ac:spMkLst>
-            <pc:docMk/>
-            <pc:sldMk cId="317718070" sldId="305"/>
-            <ac:spMk id="2" creationId="{DD24180B-35BA-C28E-820F-59C84FBDD99A}"/>
-          </ac:spMkLst>
-        </pc:spChg>
-        <pc:spChg chg="mod">
-          <ac:chgData name="Louis Berman" userId="a562264b7ba45ef8" providerId="LiveId" clId="{54B41100-9A88-4D19-86C2-D393F773221B}" dt="2023-03-08T01:56:05.574" v="27" actId="20577"/>
-          <ac:spMkLst>
-            <pc:docMk/>
-            <pc:sldMk cId="317718070" sldId="305"/>
-            <ac:spMk id="3" creationId="{626260E8-21BF-1371-4767-5E86248A7A7B}"/>
+            <pc:sldMk cId="242256332" sldId="323"/>
+            <ac:spMk id="13" creationId="{62D4AFD4-BEE8-4121-EB83-EE6C61E67FA9}"/>
           </ac:spMkLst>
         </pc:spChg>
       </pc:sldChg>
@@ -1353,7 +1392,7 @@
           <a:p>
             <a:fld id="{62A5AE42-7DC1-8140-9B13-146984FDEF22}" type="datetimeFigureOut">
               <a:rPr lang="en-US" smtClean="0"/>
-              <a:t>5/16/2023</a:t>
+              <a:t>5/17/2023</a:t>
             </a:fld>
             <a:endParaRPr lang="en-US" dirty="0"/>
           </a:p>
@@ -1530,7 +1569,7 @@
           <a:p>
             <a:fld id="{E8F75F72-8950-AF4F-9381-1D26FB547EA1}" type="datetimeFigureOut">
               <a:rPr lang="en-US" smtClean="0"/>
-              <a:t>5/16/2023</a:t>
+              <a:t>5/17/2023</a:t>
             </a:fld>
             <a:endParaRPr lang="en-US" dirty="0"/>
           </a:p>
@@ -12466,12 +12505,12 @@
           <a:lstStyle/>
           <a:p>
             <a:r>
-              <a:rPr lang="en-US" dirty="0">
+              <a:rPr lang="en-US" b="1" dirty="0">
                 <a:hlinkClick r:id="rId3"/>
               </a:rPr>
               <a:t>https://github.com/squideyes/PdnErrorHandling</a:t>
             </a:r>
-            <a:endParaRPr lang="en-US" dirty="0"/>
+            <a:endParaRPr lang="en-US" b="1" dirty="0"/>
           </a:p>
         </p:txBody>
       </p:sp>
@@ -13631,10 +13670,38 @@
         <p:spPr/>
         <p:txBody>
           <a:bodyPr>
-            <a:normAutofit lnSpcReduction="10000"/>
+            <a:normAutofit fontScale="85000" lnSpcReduction="20000"/>
           </a:bodyPr>
           <a:lstStyle/>
           <a:p>
+            <a:r>
+              <a:rPr lang="en-US" dirty="0"/>
+              <a:t>docker run -d --name seq-dev --restart unless-stopped -p 5341:80 -v "$(</a:t>
+            </a:r>
+            <a:r>
+              <a:rPr lang="en-US" dirty="0" err="1"/>
+              <a:t>pwd</a:t>
+            </a:r>
+            <a:r>
+              <a:rPr lang="en-US" dirty="0"/>
+              <a:t>)/seq-dev:/data" -e ACCEPT_EULA=y </a:t>
+            </a:r>
+            <a:r>
+              <a:rPr lang="en-US" dirty="0" err="1"/>
+              <a:t>datalust</a:t>
+            </a:r>
+            <a:r>
+              <a:rPr lang="en-US" dirty="0"/>
+              <a:t>/</a:t>
+            </a:r>
+            <a:r>
+              <a:rPr lang="en-US" dirty="0" err="1"/>
+              <a:t>seq:latest</a:t>
+            </a:r>
+            <a:endParaRPr lang="en-US" dirty="0"/>
+          </a:p>
+          <a:p>
+            <a:pPr lvl="1"/>
             <a:r>
               <a:rPr lang="en-US" dirty="0"/>
               <a:t>Setup: </a:t>
@@ -13652,12 +13719,28 @@
                   </a:extLst>
                 </a:hlinkClick>
               </a:rPr>
-              <a:t>https://docs.datalust.co/docs/getting-started-with-docker</a:t>
-            </a:r>
-            <a:r>
-              <a:rPr lang="en-US" dirty="0"/>
+              <a:t>https://docs.datalust.co/docs/</a:t>
+            </a:r>
+            <a:r>
+              <a:rPr lang="en-US" b="1">
+                <a:solidFill>
+                  <a:srgbClr val="FF0000"/>
+                </a:solidFill>
+                <a:hlinkClick r:id="rId2">
+                  <a:extLst>
+                    <a:ext uri="{A12FA001-AC4F-418D-AE19-62706E023703}">
+                      <ahyp:hlinkClr xmlns:ahyp="http://schemas.microsoft.com/office/drawing/2018/hyperlinkcolor" val="tx"/>
+                    </a:ext>
+                  </a:extLst>
+                </a:hlinkClick>
+              </a:rPr>
+              <a:t>getting-started-with-docker</a:t>
+            </a:r>
+            <a:r>
+              <a:rPr lang="en-US"/>
               <a:t> </a:t>
             </a:r>
+            <a:endParaRPr lang="en-US" dirty="0"/>
           </a:p>
           <a:p>
             <a:r>
@@ -14736,15 +14819,6 @@
 </file>
 
 <file path=customXml/item1.xml><?xml version="1.0" encoding="utf-8"?>
-<?mso-contentType ?>
-<FormTemplates xmlns="http://schemas.microsoft.com/sharepoint/v3/contenttype/forms">
-  <Display>DocumentLibraryForm</Display>
-  <Edit>DocumentLibraryForm</Edit>
-  <New>DocumentLibraryForm</New>
-</FormTemplates>
-</file>
-
-<file path=customXml/item2.xml><?xml version="1.0" encoding="utf-8"?>
 <p:properties xmlns:p="http://schemas.microsoft.com/office/2006/metadata/properties" xmlns:xsi="http://www.w3.org/2001/XMLSchema-instance" xmlns:pc="http://schemas.microsoft.com/office/infopath/2007/PartnerControls">
   <documentManagement>
     <_ip_UnifiedCompliancePolicyUIAction xmlns="http://schemas.microsoft.com/sharepoint/v3" xsi:nil="true"/>
@@ -14762,6 +14836,15 @@
     <MediaServiceKeyPoints xmlns="71af3243-3dd4-4a8d-8c0d-dd76da1f02a5" xsi:nil="true"/>
   </documentManagement>
 </p:properties>
+</file>
+
+<file path=customXml/item2.xml><?xml version="1.0" encoding="utf-8"?>
+<?mso-contentType ?>
+<FormTemplates xmlns="http://schemas.microsoft.com/sharepoint/v3/contenttype/forms">
+  <Display>DocumentLibraryForm</Display>
+  <Edit>DocumentLibraryForm</Edit>
+  <New>DocumentLibraryForm</New>
+</FormTemplates>
 </file>
 
 <file path=customXml/item3.xml><?xml version="1.0" encoding="utf-8"?>
@@ -15053,14 +15136,6 @@
 </file>
 
 <file path=customXml/itemProps1.xml><?xml version="1.0" encoding="utf-8"?>
-<ds:datastoreItem xmlns:ds="http://schemas.openxmlformats.org/officeDocument/2006/customXml" ds:itemID="{9ACE2AAA-C718-435C-B4E6-95A08ACAC441}">
-  <ds:schemaRefs>
-    <ds:schemaRef ds:uri="http://schemas.microsoft.com/sharepoint/v3/contenttype/forms"/>
-  </ds:schemaRefs>
-</ds:datastoreItem>
-</file>
-
-<file path=customXml/itemProps2.xml><?xml version="1.0" encoding="utf-8"?>
 <ds:datastoreItem xmlns:ds="http://schemas.openxmlformats.org/officeDocument/2006/customXml" ds:itemID="{8FBB2F3B-6257-41BB-8B64-5AC7494F274B}">
   <ds:schemaRefs>
     <ds:schemaRef ds:uri="http://schemas.microsoft.com/office/2006/metadata/properties"/>
@@ -15068,6 +15143,14 @@
     <ds:schemaRef ds:uri="http://schemas.microsoft.com/sharepoint/v3"/>
     <ds:schemaRef ds:uri="71af3243-3dd4-4a8d-8c0d-dd76da1f02a5"/>
     <ds:schemaRef ds:uri="230e9df3-be65-4c73-a93b-d1236ebd677e"/>
+  </ds:schemaRefs>
+</ds:datastoreItem>
+</file>
+
+<file path=customXml/itemProps2.xml><?xml version="1.0" encoding="utf-8"?>
+<ds:datastoreItem xmlns:ds="http://schemas.openxmlformats.org/officeDocument/2006/customXml" ds:itemID="{9ACE2AAA-C718-435C-B4E6-95A08ACAC441}">
+  <ds:schemaRefs>
+    <ds:schemaRef ds:uri="http://schemas.microsoft.com/sharepoint/v3/contenttype/forms"/>
   </ds:schemaRefs>
 </ds:datastoreItem>
 </file>
